--- a/10.Spring Security JDBC.pptx
+++ b/10.Spring Security JDBC.pptx
@@ -12,7 +12,15 @@
     <p:sldId id="448" r:id="rId6"/>
     <p:sldId id="449" r:id="rId7"/>
     <p:sldId id="450" r:id="rId8"/>
-    <p:sldId id="446" r:id="rId9"/>
+    <p:sldId id="451" r:id="rId9"/>
+    <p:sldId id="452" r:id="rId10"/>
+    <p:sldId id="453" r:id="rId11"/>
+    <p:sldId id="454" r:id="rId12"/>
+    <p:sldId id="455" r:id="rId13"/>
+    <p:sldId id="456" r:id="rId14"/>
+    <p:sldId id="457" r:id="rId15"/>
+    <p:sldId id="458" r:id="rId16"/>
+    <p:sldId id="459" r:id="rId17"/>
   </p:sldIdLst>
   <p:sldSz cx="12192000" cy="6858000"/>
   <p:notesSz cx="6858000" cy="9144000"/>
@@ -843,7 +851,7 @@
           <a:p>
             <a:fld id="{E7E49A89-72C0-40C6-A55C-C6C12D525ACC}" type="datetimeFigureOut">
               <a:rPr lang="en-US" smtClean="0"/>
-              <a:t>10/7/2024</a:t>
+              <a:t>10/8/2024</a:t>
             </a:fld>
             <a:endParaRPr lang="en-US"/>
           </a:p>
@@ -1094,7 +1102,7 @@
           <a:p>
             <a:fld id="{E7E49A89-72C0-40C6-A55C-C6C12D525ACC}" type="datetimeFigureOut">
               <a:rPr lang="en-US" smtClean="0"/>
-              <a:t>10/7/2024</a:t>
+              <a:t>10/8/2024</a:t>
             </a:fld>
             <a:endParaRPr lang="en-US"/>
           </a:p>
@@ -1408,7 +1416,7 @@
           <a:p>
             <a:fld id="{E7E49A89-72C0-40C6-A55C-C6C12D525ACC}" type="datetimeFigureOut">
               <a:rPr lang="en-US" smtClean="0"/>
-              <a:t>10/7/2024</a:t>
+              <a:t>10/8/2024</a:t>
             </a:fld>
             <a:endParaRPr lang="en-US"/>
           </a:p>
@@ -1735,7 +1743,7 @@
           <a:p>
             <a:fld id="{E7E49A89-72C0-40C6-A55C-C6C12D525ACC}" type="datetimeFigureOut">
               <a:rPr lang="en-US" smtClean="0"/>
-              <a:t>10/7/2024</a:t>
+              <a:t>10/8/2024</a:t>
             </a:fld>
             <a:endParaRPr lang="en-US"/>
           </a:p>
@@ -2049,7 +2057,7 @@
           <a:p>
             <a:fld id="{E7E49A89-72C0-40C6-A55C-C6C12D525ACC}" type="datetimeFigureOut">
               <a:rPr lang="en-US" smtClean="0"/>
-              <a:t>10/7/2024</a:t>
+              <a:t>10/8/2024</a:t>
             </a:fld>
             <a:endParaRPr lang="en-US"/>
           </a:p>
@@ -2436,7 +2444,7 @@
           <a:p>
             <a:fld id="{E7E49A89-72C0-40C6-A55C-C6C12D525ACC}" type="datetimeFigureOut">
               <a:rPr lang="en-US" smtClean="0"/>
-              <a:t>10/7/2024</a:t>
+              <a:t>10/8/2024</a:t>
             </a:fld>
             <a:endParaRPr lang="en-US"/>
           </a:p>
@@ -2606,7 +2614,7 @@
           <a:p>
             <a:fld id="{E7E49A89-72C0-40C6-A55C-C6C12D525ACC}" type="datetimeFigureOut">
               <a:rPr lang="en-US" smtClean="0"/>
-              <a:t>10/7/2024</a:t>
+              <a:t>10/8/2024</a:t>
             </a:fld>
             <a:endParaRPr lang="en-US"/>
           </a:p>
@@ -2786,7 +2794,7 @@
           <a:p>
             <a:fld id="{E7E49A89-72C0-40C6-A55C-C6C12D525ACC}" type="datetimeFigureOut">
               <a:rPr lang="en-US" smtClean="0"/>
-              <a:t>10/7/2024</a:t>
+              <a:t>10/8/2024</a:t>
             </a:fld>
             <a:endParaRPr lang="en-US"/>
           </a:p>
@@ -2962,7 +2970,7 @@
           <a:p>
             <a:fld id="{E7E49A89-72C0-40C6-A55C-C6C12D525ACC}" type="datetimeFigureOut">
               <a:rPr lang="en-US" smtClean="0"/>
-              <a:t>10/7/2024</a:t>
+              <a:t>10/8/2024</a:t>
             </a:fld>
             <a:endParaRPr lang="en-US"/>
           </a:p>
@@ -3209,7 +3217,7 @@
           <a:p>
             <a:fld id="{E7E49A89-72C0-40C6-A55C-C6C12D525ACC}" type="datetimeFigureOut">
               <a:rPr lang="en-US" smtClean="0"/>
-              <a:t>10/7/2024</a:t>
+              <a:t>10/8/2024</a:t>
             </a:fld>
             <a:endParaRPr lang="en-US"/>
           </a:p>
@@ -3441,7 +3449,7 @@
           <a:p>
             <a:fld id="{E7E49A89-72C0-40C6-A55C-C6C12D525ACC}" type="datetimeFigureOut">
               <a:rPr lang="en-US" smtClean="0"/>
-              <a:t>10/7/2024</a:t>
+              <a:t>10/8/2024</a:t>
             </a:fld>
             <a:endParaRPr lang="en-US"/>
           </a:p>
@@ -3815,7 +3823,7 @@
           <a:p>
             <a:fld id="{E7E49A89-72C0-40C6-A55C-C6C12D525ACC}" type="datetimeFigureOut">
               <a:rPr lang="en-US" smtClean="0"/>
-              <a:t>10/7/2024</a:t>
+              <a:t>10/8/2024</a:t>
             </a:fld>
             <a:endParaRPr lang="en-US"/>
           </a:p>
@@ -3938,7 +3946,7 @@
           <a:p>
             <a:fld id="{E7E49A89-72C0-40C6-A55C-C6C12D525ACC}" type="datetimeFigureOut">
               <a:rPr lang="en-US" smtClean="0"/>
-              <a:t>10/7/2024</a:t>
+              <a:t>10/8/2024</a:t>
             </a:fld>
             <a:endParaRPr lang="en-US"/>
           </a:p>
@@ -4033,7 +4041,7 @@
           <a:p>
             <a:fld id="{E7E49A89-72C0-40C6-A55C-C6C12D525ACC}" type="datetimeFigureOut">
               <a:rPr lang="en-US" smtClean="0"/>
-              <a:t>10/7/2024</a:t>
+              <a:t>10/8/2024</a:t>
             </a:fld>
             <a:endParaRPr lang="en-US"/>
           </a:p>
@@ -4288,7 +4296,7 @@
           <a:p>
             <a:fld id="{E7E49A89-72C0-40C6-A55C-C6C12D525ACC}" type="datetimeFigureOut">
               <a:rPr lang="en-US" smtClean="0"/>
-              <a:t>10/7/2024</a:t>
+              <a:t>10/8/2024</a:t>
             </a:fld>
             <a:endParaRPr lang="en-US"/>
           </a:p>
@@ -4550,7 +4558,7 @@
           <a:p>
             <a:fld id="{E7E49A89-72C0-40C6-A55C-C6C12D525ACC}" type="datetimeFigureOut">
               <a:rPr lang="en-US" smtClean="0"/>
-              <a:t>10/7/2024</a:t>
+              <a:t>10/8/2024</a:t>
             </a:fld>
             <a:endParaRPr lang="en-US"/>
           </a:p>
@@ -5295,7 +5303,7 @@
           <a:p>
             <a:fld id="{E7E49A89-72C0-40C6-A55C-C6C12D525ACC}" type="datetimeFigureOut">
               <a:rPr lang="en-US" smtClean="0"/>
-              <a:t>10/7/2024</a:t>
+              <a:t>10/8/2024</a:t>
             </a:fld>
             <a:endParaRPr lang="en-US"/>
           </a:p>
@@ -5884,6 +5892,1926 @@
 </p:sld>
 </file>
 
+<file path=ppt/slides/slide10.xml><?xml version="1.0" encoding="utf-8"?>
+<p:sld xmlns:a="http://schemas.openxmlformats.org/drawingml/2006/main" xmlns:r="http://schemas.openxmlformats.org/officeDocument/2006/relationships" xmlns:p="http://schemas.openxmlformats.org/presentationml/2006/main">
+  <p:cSld>
+    <p:spTree>
+      <p:nvGrpSpPr>
+        <p:cNvPr id="1" name="">
+          <a:extLst>
+            <a:ext uri="{FF2B5EF4-FFF2-40B4-BE49-F238E27FC236}">
+              <a16:creationId xmlns:a16="http://schemas.microsoft.com/office/drawing/2014/main" id="{2AD27A49-E1DF-32A2-F250-9C6ACBC873E1}"/>
+            </a:ext>
+          </a:extLst>
+        </p:cNvPr>
+        <p:cNvGrpSpPr/>
+        <p:nvPr/>
+      </p:nvGrpSpPr>
+      <p:grpSpPr>
+        <a:xfrm>
+          <a:off x="0" y="0"/>
+          <a:ext cx="0" cy="0"/>
+          <a:chOff x="0" y="0"/>
+          <a:chExt cx="0" cy="0"/>
+        </a:xfrm>
+      </p:grpSpPr>
+      <p:sp>
+        <p:nvSpPr>
+          <p:cNvPr id="2" name="Title 1">
+            <a:extLst>
+              <a:ext uri="{FF2B5EF4-FFF2-40B4-BE49-F238E27FC236}">
+                <a16:creationId xmlns:a16="http://schemas.microsoft.com/office/drawing/2014/main" id="{441A7F7C-B4FD-27D2-51F1-5BF6BC879ED9}"/>
+              </a:ext>
+            </a:extLst>
+          </p:cNvPr>
+          <p:cNvSpPr>
+            <a:spLocks noGrp="1"/>
+          </p:cNvSpPr>
+          <p:nvPr>
+            <p:ph type="title"/>
+          </p:nvPr>
+        </p:nvSpPr>
+        <p:spPr/>
+        <p:txBody>
+          <a:bodyPr/>
+          <a:lstStyle/>
+          <a:p>
+            <a:r>
+              <a:rPr lang="en-US">
+                <a:latin typeface="Arial" panose="020B0604020202020204" pitchFamily="34" charset="0"/>
+                <a:cs typeface="Arial" panose="020B0604020202020204" pitchFamily="34" charset="0"/>
+              </a:rPr>
+              <a:t>Custom table</a:t>
+            </a:r>
+          </a:p>
+        </p:txBody>
+      </p:sp>
+      <p:sp>
+        <p:nvSpPr>
+          <p:cNvPr id="7" name="TextBox 6">
+            <a:extLst>
+              <a:ext uri="{FF2B5EF4-FFF2-40B4-BE49-F238E27FC236}">
+                <a16:creationId xmlns:a16="http://schemas.microsoft.com/office/drawing/2014/main" id="{AA25D5BB-84B8-F571-1193-6E8755B3B9D3}"/>
+              </a:ext>
+            </a:extLst>
+          </p:cNvPr>
+          <p:cNvSpPr txBox="1"/>
+          <p:nvPr/>
+        </p:nvSpPr>
+        <p:spPr>
+          <a:xfrm>
+            <a:off x="677334" y="1930400"/>
+            <a:ext cx="6099110" cy="2677656"/>
+          </a:xfrm>
+          <a:prstGeom prst="rect">
+            <a:avLst/>
+          </a:prstGeom>
+          <a:solidFill>
+            <a:schemeClr val="tx1"/>
+          </a:solidFill>
+        </p:spPr>
+        <p:txBody>
+          <a:bodyPr wrap="square">
+            <a:spAutoFit/>
+          </a:bodyPr>
+          <a:lstStyle/>
+          <a:p>
+            <a:pPr marL="0" marR="0">
+              <a:spcBef>
+                <a:spcPts val="0"/>
+              </a:spcBef>
+              <a:spcAft>
+                <a:spcPts val="0"/>
+              </a:spcAft>
+            </a:pPr>
+            <a:r>
+              <a:rPr lang="en-US" sz="1200">
+                <a:solidFill>
+                  <a:srgbClr val="000080"/>
+                </a:solidFill>
+                <a:effectLst/>
+                <a:latin typeface="JetBrains Mono" panose="02000009000000000000" pitchFamily="49" charset="0"/>
+              </a:rPr>
+              <a:t>INSERT</a:t>
+            </a:r>
+            <a:r>
+              <a:rPr lang="en-US" sz="1200">
+                <a:solidFill>
+                  <a:srgbClr val="000000"/>
+                </a:solidFill>
+                <a:effectLst/>
+                <a:latin typeface="JetBrains Mono" panose="02000009000000000000" pitchFamily="49" charset="0"/>
+              </a:rPr>
+              <a:t> </a:t>
+            </a:r>
+            <a:r>
+              <a:rPr lang="en-US" sz="1200">
+                <a:solidFill>
+                  <a:srgbClr val="000080"/>
+                </a:solidFill>
+                <a:effectLst/>
+                <a:latin typeface="JetBrains Mono" panose="02000009000000000000" pitchFamily="49" charset="0"/>
+              </a:rPr>
+              <a:t>INTO</a:t>
+            </a:r>
+            <a:r>
+              <a:rPr lang="en-US" sz="1200">
+                <a:solidFill>
+                  <a:srgbClr val="000000"/>
+                </a:solidFill>
+                <a:effectLst/>
+                <a:latin typeface="JetBrains Mono" panose="02000009000000000000" pitchFamily="49" charset="0"/>
+              </a:rPr>
+              <a:t> `members`</a:t>
+            </a:r>
+          </a:p>
+          <a:p>
+            <a:pPr marL="0" marR="0">
+              <a:spcBef>
+                <a:spcPts val="0"/>
+              </a:spcBef>
+              <a:spcAft>
+                <a:spcPts val="0"/>
+              </a:spcAft>
+            </a:pPr>
+            <a:r>
+              <a:rPr lang="en-US" sz="1200">
+                <a:solidFill>
+                  <a:srgbClr val="000080"/>
+                </a:solidFill>
+                <a:effectLst/>
+                <a:latin typeface="JetBrains Mono" panose="02000009000000000000" pitchFamily="49" charset="0"/>
+              </a:rPr>
+              <a:t>VALUES</a:t>
+            </a:r>
+            <a:endParaRPr lang="en-US" sz="1200">
+              <a:solidFill>
+                <a:srgbClr val="000000"/>
+              </a:solidFill>
+              <a:effectLst/>
+              <a:latin typeface="JetBrains Mono" panose="02000009000000000000" pitchFamily="49" charset="0"/>
+            </a:endParaRPr>
+          </a:p>
+          <a:p>
+            <a:pPr marL="0" marR="0">
+              <a:spcBef>
+                <a:spcPts val="0"/>
+              </a:spcBef>
+              <a:spcAft>
+                <a:spcPts val="0"/>
+              </a:spcAft>
+            </a:pPr>
+            <a:r>
+              <a:rPr lang="en-US" sz="1200">
+                <a:solidFill>
+                  <a:srgbClr val="000000"/>
+                </a:solidFill>
+                <a:effectLst/>
+                <a:latin typeface="JetBrains Mono" panose="02000009000000000000" pitchFamily="49" charset="0"/>
+              </a:rPr>
+              <a:t>(</a:t>
+            </a:r>
+            <a:r>
+              <a:rPr lang="en-US" sz="1200">
+                <a:solidFill>
+                  <a:srgbClr val="008000"/>
+                </a:solidFill>
+                <a:effectLst/>
+                <a:latin typeface="JetBrains Mono" panose="02000009000000000000" pitchFamily="49" charset="0"/>
+              </a:rPr>
+              <a:t>'haolv1'</a:t>
+            </a:r>
+            <a:r>
+              <a:rPr lang="en-US" sz="1200">
+                <a:solidFill>
+                  <a:srgbClr val="000000"/>
+                </a:solidFill>
+                <a:effectLst/>
+                <a:latin typeface="JetBrains Mono" panose="02000009000000000000" pitchFamily="49" charset="0"/>
+              </a:rPr>
+              <a:t>,</a:t>
+            </a:r>
+            <a:r>
+              <a:rPr lang="en-US" sz="1200">
+                <a:solidFill>
+                  <a:srgbClr val="008000"/>
+                </a:solidFill>
+                <a:effectLst/>
+                <a:latin typeface="JetBrains Mono" panose="02000009000000000000" pitchFamily="49" charset="0"/>
+              </a:rPr>
+              <a:t>'{noop}abc123'</a:t>
+            </a:r>
+            <a:r>
+              <a:rPr lang="en-US" sz="1200">
+                <a:solidFill>
+                  <a:srgbClr val="000000"/>
+                </a:solidFill>
+                <a:effectLst/>
+                <a:latin typeface="JetBrains Mono" panose="02000009000000000000" pitchFamily="49" charset="0"/>
+              </a:rPr>
+              <a:t>,1),</a:t>
+            </a:r>
+          </a:p>
+          <a:p>
+            <a:pPr marL="0" marR="0">
+              <a:spcBef>
+                <a:spcPts val="0"/>
+              </a:spcBef>
+              <a:spcAft>
+                <a:spcPts val="0"/>
+              </a:spcAft>
+            </a:pPr>
+            <a:r>
+              <a:rPr lang="en-US" sz="1200">
+                <a:solidFill>
+                  <a:srgbClr val="000000"/>
+                </a:solidFill>
+                <a:effectLst/>
+                <a:latin typeface="JetBrains Mono" panose="02000009000000000000" pitchFamily="49" charset="0"/>
+              </a:rPr>
+              <a:t>(</a:t>
+            </a:r>
+            <a:r>
+              <a:rPr lang="en-US" sz="1200">
+                <a:solidFill>
+                  <a:srgbClr val="008000"/>
+                </a:solidFill>
+                <a:effectLst/>
+                <a:latin typeface="JetBrains Mono" panose="02000009000000000000" pitchFamily="49" charset="0"/>
+              </a:rPr>
+              <a:t>'haolv2'</a:t>
+            </a:r>
+            <a:r>
+              <a:rPr lang="en-US" sz="1200">
+                <a:solidFill>
+                  <a:srgbClr val="000000"/>
+                </a:solidFill>
+                <a:effectLst/>
+                <a:latin typeface="JetBrains Mono" panose="02000009000000000000" pitchFamily="49" charset="0"/>
+              </a:rPr>
+              <a:t>,</a:t>
+            </a:r>
+            <a:r>
+              <a:rPr lang="en-US" sz="1200">
+                <a:solidFill>
+                  <a:srgbClr val="008000"/>
+                </a:solidFill>
+                <a:effectLst/>
+                <a:latin typeface="JetBrains Mono" panose="02000009000000000000" pitchFamily="49" charset="0"/>
+              </a:rPr>
+              <a:t>'{noop}abc123'</a:t>
+            </a:r>
+            <a:r>
+              <a:rPr lang="en-US" sz="1200">
+                <a:solidFill>
+                  <a:srgbClr val="000000"/>
+                </a:solidFill>
+                <a:effectLst/>
+                <a:latin typeface="JetBrains Mono" panose="02000009000000000000" pitchFamily="49" charset="0"/>
+              </a:rPr>
+              <a:t>,1),</a:t>
+            </a:r>
+          </a:p>
+          <a:p>
+            <a:pPr marL="0" marR="0">
+              <a:spcBef>
+                <a:spcPts val="0"/>
+              </a:spcBef>
+              <a:spcAft>
+                <a:spcPts val="0"/>
+              </a:spcAft>
+            </a:pPr>
+            <a:r>
+              <a:rPr lang="en-US" sz="1200">
+                <a:solidFill>
+                  <a:srgbClr val="000000"/>
+                </a:solidFill>
+                <a:effectLst/>
+                <a:latin typeface="JetBrains Mono" panose="02000009000000000000" pitchFamily="49" charset="0"/>
+              </a:rPr>
+              <a:t>(</a:t>
+            </a:r>
+            <a:r>
+              <a:rPr lang="en-US" sz="1200">
+                <a:solidFill>
+                  <a:srgbClr val="008000"/>
+                </a:solidFill>
+                <a:effectLst/>
+                <a:latin typeface="JetBrains Mono" panose="02000009000000000000" pitchFamily="49" charset="0"/>
+              </a:rPr>
+              <a:t>'haolv3'</a:t>
+            </a:r>
+            <a:r>
+              <a:rPr lang="en-US" sz="1200">
+                <a:solidFill>
+                  <a:srgbClr val="000000"/>
+                </a:solidFill>
+                <a:effectLst/>
+                <a:latin typeface="JetBrains Mono" panose="02000009000000000000" pitchFamily="49" charset="0"/>
+              </a:rPr>
+              <a:t>,</a:t>
+            </a:r>
+            <a:r>
+              <a:rPr lang="en-US" sz="1200">
+                <a:solidFill>
+                  <a:srgbClr val="008000"/>
+                </a:solidFill>
+                <a:effectLst/>
+                <a:latin typeface="JetBrains Mono" panose="02000009000000000000" pitchFamily="49" charset="0"/>
+              </a:rPr>
+              <a:t>'{noop}abc123'</a:t>
+            </a:r>
+            <a:r>
+              <a:rPr lang="en-US" sz="1200">
+                <a:solidFill>
+                  <a:srgbClr val="000000"/>
+                </a:solidFill>
+                <a:effectLst/>
+                <a:latin typeface="JetBrains Mono" panose="02000009000000000000" pitchFamily="49" charset="0"/>
+              </a:rPr>
+              <a:t>,1);</a:t>
+            </a:r>
+          </a:p>
+          <a:p>
+            <a:pPr marL="0" marR="0">
+              <a:spcBef>
+                <a:spcPts val="0"/>
+              </a:spcBef>
+              <a:spcAft>
+                <a:spcPts val="0"/>
+              </a:spcAft>
+            </a:pPr>
+            <a:br>
+              <a:rPr lang="en-US" sz="1200">
+                <a:solidFill>
+                  <a:srgbClr val="000000"/>
+                </a:solidFill>
+                <a:effectLst/>
+                <a:latin typeface="JetBrains Mono" panose="02000009000000000000" pitchFamily="49" charset="0"/>
+              </a:rPr>
+            </a:br>
+            <a:r>
+              <a:rPr lang="en-US" sz="1200">
+                <a:solidFill>
+                  <a:srgbClr val="000080"/>
+                </a:solidFill>
+                <a:effectLst/>
+                <a:latin typeface="JetBrains Mono" panose="02000009000000000000" pitchFamily="49" charset="0"/>
+              </a:rPr>
+              <a:t>INSERT</a:t>
+            </a:r>
+            <a:r>
+              <a:rPr lang="en-US" sz="1200">
+                <a:solidFill>
+                  <a:srgbClr val="000000"/>
+                </a:solidFill>
+                <a:effectLst/>
+                <a:latin typeface="JetBrains Mono" panose="02000009000000000000" pitchFamily="49" charset="0"/>
+              </a:rPr>
+              <a:t> </a:t>
+            </a:r>
+            <a:r>
+              <a:rPr lang="en-US" sz="1200">
+                <a:solidFill>
+                  <a:srgbClr val="000080"/>
+                </a:solidFill>
+                <a:effectLst/>
+                <a:latin typeface="JetBrains Mono" panose="02000009000000000000" pitchFamily="49" charset="0"/>
+              </a:rPr>
+              <a:t>INTO</a:t>
+            </a:r>
+            <a:r>
+              <a:rPr lang="en-US" sz="1200">
+                <a:solidFill>
+                  <a:srgbClr val="000000"/>
+                </a:solidFill>
+                <a:effectLst/>
+                <a:latin typeface="JetBrains Mono" panose="02000009000000000000" pitchFamily="49" charset="0"/>
+              </a:rPr>
+              <a:t> `roles`</a:t>
+            </a:r>
+          </a:p>
+          <a:p>
+            <a:pPr marL="0" marR="0">
+              <a:spcBef>
+                <a:spcPts val="0"/>
+              </a:spcBef>
+              <a:spcAft>
+                <a:spcPts val="0"/>
+              </a:spcAft>
+            </a:pPr>
+            <a:r>
+              <a:rPr lang="en-US" sz="1200">
+                <a:solidFill>
+                  <a:srgbClr val="000080"/>
+                </a:solidFill>
+                <a:effectLst/>
+                <a:latin typeface="JetBrains Mono" panose="02000009000000000000" pitchFamily="49" charset="0"/>
+              </a:rPr>
+              <a:t>VALUES</a:t>
+            </a:r>
+            <a:endParaRPr lang="en-US" sz="1200">
+              <a:solidFill>
+                <a:srgbClr val="000000"/>
+              </a:solidFill>
+              <a:effectLst/>
+              <a:latin typeface="JetBrains Mono" panose="02000009000000000000" pitchFamily="49" charset="0"/>
+            </a:endParaRPr>
+          </a:p>
+          <a:p>
+            <a:pPr marL="0" marR="0">
+              <a:spcBef>
+                <a:spcPts val="0"/>
+              </a:spcBef>
+              <a:spcAft>
+                <a:spcPts val="0"/>
+              </a:spcAft>
+            </a:pPr>
+            <a:r>
+              <a:rPr lang="en-US" sz="1200">
+                <a:solidFill>
+                  <a:srgbClr val="000000"/>
+                </a:solidFill>
+                <a:effectLst/>
+                <a:latin typeface="JetBrains Mono" panose="02000009000000000000" pitchFamily="49" charset="0"/>
+              </a:rPr>
+              <a:t>(</a:t>
+            </a:r>
+            <a:r>
+              <a:rPr lang="en-US" sz="1200">
+                <a:solidFill>
+                  <a:srgbClr val="008000"/>
+                </a:solidFill>
+                <a:effectLst/>
+                <a:latin typeface="JetBrains Mono" panose="02000009000000000000" pitchFamily="49" charset="0"/>
+              </a:rPr>
+              <a:t>'haolv1'</a:t>
+            </a:r>
+            <a:r>
+              <a:rPr lang="en-US" sz="1200">
+                <a:solidFill>
+                  <a:srgbClr val="000000"/>
+                </a:solidFill>
+                <a:effectLst/>
+                <a:latin typeface="JetBrains Mono" panose="02000009000000000000" pitchFamily="49" charset="0"/>
+              </a:rPr>
+              <a:t>,</a:t>
+            </a:r>
+            <a:r>
+              <a:rPr lang="en-US" sz="1200">
+                <a:solidFill>
+                  <a:srgbClr val="008000"/>
+                </a:solidFill>
+                <a:effectLst/>
+                <a:latin typeface="JetBrains Mono" panose="02000009000000000000" pitchFamily="49" charset="0"/>
+              </a:rPr>
+              <a:t>'ROLE_USER'</a:t>
+            </a:r>
+            <a:r>
+              <a:rPr lang="en-US" sz="1200">
+                <a:solidFill>
+                  <a:srgbClr val="000000"/>
+                </a:solidFill>
+                <a:effectLst/>
+                <a:latin typeface="JetBrains Mono" panose="02000009000000000000" pitchFamily="49" charset="0"/>
+              </a:rPr>
+              <a:t>),</a:t>
+            </a:r>
+          </a:p>
+          <a:p>
+            <a:pPr marL="0" marR="0">
+              <a:spcBef>
+                <a:spcPts val="0"/>
+              </a:spcBef>
+              <a:spcAft>
+                <a:spcPts val="0"/>
+              </a:spcAft>
+            </a:pPr>
+            <a:r>
+              <a:rPr lang="en-US" sz="1200">
+                <a:solidFill>
+                  <a:srgbClr val="000000"/>
+                </a:solidFill>
+                <a:effectLst/>
+                <a:latin typeface="JetBrains Mono" panose="02000009000000000000" pitchFamily="49" charset="0"/>
+              </a:rPr>
+              <a:t>(</a:t>
+            </a:r>
+            <a:r>
+              <a:rPr lang="en-US" sz="1200">
+                <a:solidFill>
+                  <a:srgbClr val="008000"/>
+                </a:solidFill>
+                <a:effectLst/>
+                <a:latin typeface="JetBrains Mono" panose="02000009000000000000" pitchFamily="49" charset="0"/>
+              </a:rPr>
+              <a:t>'haolv2'</a:t>
+            </a:r>
+            <a:r>
+              <a:rPr lang="en-US" sz="1200">
+                <a:solidFill>
+                  <a:srgbClr val="000000"/>
+                </a:solidFill>
+                <a:effectLst/>
+                <a:latin typeface="JetBrains Mono" panose="02000009000000000000" pitchFamily="49" charset="0"/>
+              </a:rPr>
+              <a:t>,</a:t>
+            </a:r>
+            <a:r>
+              <a:rPr lang="en-US" sz="1200">
+                <a:solidFill>
+                  <a:srgbClr val="008000"/>
+                </a:solidFill>
+                <a:effectLst/>
+                <a:latin typeface="JetBrains Mono" panose="02000009000000000000" pitchFamily="49" charset="0"/>
+              </a:rPr>
+              <a:t>'ROLE_USER '</a:t>
+            </a:r>
+            <a:r>
+              <a:rPr lang="en-US" sz="1200">
+                <a:solidFill>
+                  <a:srgbClr val="000000"/>
+                </a:solidFill>
+                <a:effectLst/>
+                <a:latin typeface="JetBrains Mono" panose="02000009000000000000" pitchFamily="49" charset="0"/>
+              </a:rPr>
+              <a:t>),</a:t>
+            </a:r>
+          </a:p>
+          <a:p>
+            <a:pPr marL="0" marR="0">
+              <a:spcBef>
+                <a:spcPts val="0"/>
+              </a:spcBef>
+              <a:spcAft>
+                <a:spcPts val="0"/>
+              </a:spcAft>
+            </a:pPr>
+            <a:r>
+              <a:rPr lang="en-US" sz="1200">
+                <a:solidFill>
+                  <a:srgbClr val="000000"/>
+                </a:solidFill>
+                <a:effectLst/>
+                <a:latin typeface="JetBrains Mono" panose="02000009000000000000" pitchFamily="49" charset="0"/>
+              </a:rPr>
+              <a:t>(</a:t>
+            </a:r>
+            <a:r>
+              <a:rPr lang="en-US" sz="1200">
+                <a:solidFill>
+                  <a:srgbClr val="008000"/>
+                </a:solidFill>
+                <a:effectLst/>
+                <a:latin typeface="JetBrains Mono" panose="02000009000000000000" pitchFamily="49" charset="0"/>
+              </a:rPr>
+              <a:t>'haolv2'</a:t>
+            </a:r>
+            <a:r>
+              <a:rPr lang="en-US" sz="1200">
+                <a:solidFill>
+                  <a:srgbClr val="000000"/>
+                </a:solidFill>
+                <a:effectLst/>
+                <a:latin typeface="JetBrains Mono" panose="02000009000000000000" pitchFamily="49" charset="0"/>
+              </a:rPr>
+              <a:t>,</a:t>
+            </a:r>
+            <a:r>
+              <a:rPr lang="en-US" sz="1200">
+                <a:solidFill>
+                  <a:srgbClr val="008000"/>
+                </a:solidFill>
+                <a:effectLst/>
+                <a:latin typeface="JetBrains Mono" panose="02000009000000000000" pitchFamily="49" charset="0"/>
+              </a:rPr>
+              <a:t>'ROLE_MANAGER'</a:t>
+            </a:r>
+            <a:r>
+              <a:rPr lang="en-US" sz="1200">
+                <a:solidFill>
+                  <a:srgbClr val="000000"/>
+                </a:solidFill>
+                <a:effectLst/>
+                <a:latin typeface="JetBrains Mono" panose="02000009000000000000" pitchFamily="49" charset="0"/>
+              </a:rPr>
+              <a:t>),</a:t>
+            </a:r>
+          </a:p>
+          <a:p>
+            <a:pPr marL="0" marR="0">
+              <a:spcBef>
+                <a:spcPts val="0"/>
+              </a:spcBef>
+              <a:spcAft>
+                <a:spcPts val="0"/>
+              </a:spcAft>
+            </a:pPr>
+            <a:r>
+              <a:rPr lang="en-US" sz="1200">
+                <a:solidFill>
+                  <a:srgbClr val="000000"/>
+                </a:solidFill>
+                <a:effectLst/>
+                <a:latin typeface="JetBrains Mono" panose="02000009000000000000" pitchFamily="49" charset="0"/>
+              </a:rPr>
+              <a:t>(</a:t>
+            </a:r>
+            <a:r>
+              <a:rPr lang="en-US" sz="1200">
+                <a:solidFill>
+                  <a:srgbClr val="008000"/>
+                </a:solidFill>
+                <a:effectLst/>
+                <a:latin typeface="JetBrains Mono" panose="02000009000000000000" pitchFamily="49" charset="0"/>
+              </a:rPr>
+              <a:t>'haolv3'</a:t>
+            </a:r>
+            <a:r>
+              <a:rPr lang="en-US" sz="1200">
+                <a:solidFill>
+                  <a:srgbClr val="000000"/>
+                </a:solidFill>
+                <a:effectLst/>
+                <a:latin typeface="JetBrains Mono" panose="02000009000000000000" pitchFamily="49" charset="0"/>
+              </a:rPr>
+              <a:t>,</a:t>
+            </a:r>
+            <a:r>
+              <a:rPr lang="en-US" sz="1200">
+                <a:solidFill>
+                  <a:srgbClr val="008000"/>
+                </a:solidFill>
+                <a:effectLst/>
+                <a:latin typeface="JetBrains Mono" panose="02000009000000000000" pitchFamily="49" charset="0"/>
+              </a:rPr>
+              <a:t>'ROLE_USER'</a:t>
+            </a:r>
+            <a:r>
+              <a:rPr lang="en-US" sz="1200">
+                <a:solidFill>
+                  <a:srgbClr val="000000"/>
+                </a:solidFill>
+                <a:effectLst/>
+                <a:latin typeface="JetBrains Mono" panose="02000009000000000000" pitchFamily="49" charset="0"/>
+              </a:rPr>
+              <a:t>),</a:t>
+            </a:r>
+          </a:p>
+          <a:p>
+            <a:pPr marL="0" marR="0">
+              <a:spcBef>
+                <a:spcPts val="0"/>
+              </a:spcBef>
+              <a:spcAft>
+                <a:spcPts val="0"/>
+              </a:spcAft>
+            </a:pPr>
+            <a:r>
+              <a:rPr lang="en-US" sz="1200">
+                <a:solidFill>
+                  <a:srgbClr val="000000"/>
+                </a:solidFill>
+                <a:effectLst/>
+                <a:latin typeface="JetBrains Mono" panose="02000009000000000000" pitchFamily="49" charset="0"/>
+              </a:rPr>
+              <a:t>(</a:t>
+            </a:r>
+            <a:r>
+              <a:rPr lang="en-US" sz="1200">
+                <a:solidFill>
+                  <a:srgbClr val="008000"/>
+                </a:solidFill>
+                <a:effectLst/>
+                <a:latin typeface="JetBrains Mono" panose="02000009000000000000" pitchFamily="49" charset="0"/>
+              </a:rPr>
+              <a:t>'haolv3'</a:t>
+            </a:r>
+            <a:r>
+              <a:rPr lang="en-US" sz="1200">
+                <a:solidFill>
+                  <a:srgbClr val="000000"/>
+                </a:solidFill>
+                <a:effectLst/>
+                <a:latin typeface="JetBrains Mono" panose="02000009000000000000" pitchFamily="49" charset="0"/>
+              </a:rPr>
+              <a:t>,</a:t>
+            </a:r>
+            <a:r>
+              <a:rPr lang="en-US" sz="1200">
+                <a:solidFill>
+                  <a:srgbClr val="008000"/>
+                </a:solidFill>
+                <a:effectLst/>
+                <a:latin typeface="JetBrains Mono" panose="02000009000000000000" pitchFamily="49" charset="0"/>
+              </a:rPr>
+              <a:t>'ROLE_MANAGER'</a:t>
+            </a:r>
+            <a:r>
+              <a:rPr lang="en-US" sz="1200">
+                <a:solidFill>
+                  <a:srgbClr val="000000"/>
+                </a:solidFill>
+                <a:effectLst/>
+                <a:latin typeface="JetBrains Mono" panose="02000009000000000000" pitchFamily="49" charset="0"/>
+              </a:rPr>
+              <a:t>),</a:t>
+            </a:r>
+          </a:p>
+          <a:p>
+            <a:pPr marL="0" marR="0">
+              <a:spcBef>
+                <a:spcPts val="0"/>
+              </a:spcBef>
+              <a:spcAft>
+                <a:spcPts val="0"/>
+              </a:spcAft>
+            </a:pPr>
+            <a:r>
+              <a:rPr lang="en-US" sz="1200">
+                <a:solidFill>
+                  <a:srgbClr val="000000"/>
+                </a:solidFill>
+                <a:effectLst/>
+                <a:latin typeface="JetBrains Mono" panose="02000009000000000000" pitchFamily="49" charset="0"/>
+              </a:rPr>
+              <a:t>(</a:t>
+            </a:r>
+            <a:r>
+              <a:rPr lang="en-US" sz="1200">
+                <a:solidFill>
+                  <a:srgbClr val="008000"/>
+                </a:solidFill>
+                <a:effectLst/>
+                <a:latin typeface="JetBrains Mono" panose="02000009000000000000" pitchFamily="49" charset="0"/>
+              </a:rPr>
+              <a:t>'haolv3'</a:t>
+            </a:r>
+            <a:r>
+              <a:rPr lang="en-US" sz="1200">
+                <a:solidFill>
+                  <a:srgbClr val="000000"/>
+                </a:solidFill>
+                <a:effectLst/>
+                <a:latin typeface="JetBrains Mono" panose="02000009000000000000" pitchFamily="49" charset="0"/>
+              </a:rPr>
+              <a:t>,</a:t>
+            </a:r>
+            <a:r>
+              <a:rPr lang="en-US" sz="1200">
+                <a:solidFill>
+                  <a:srgbClr val="008000"/>
+                </a:solidFill>
+                <a:effectLst/>
+                <a:latin typeface="JetBrains Mono" panose="02000009000000000000" pitchFamily="49" charset="0"/>
+              </a:rPr>
+              <a:t>'ROLE_ADMIN'</a:t>
+            </a:r>
+            <a:r>
+              <a:rPr lang="en-US" sz="1200">
+                <a:solidFill>
+                  <a:srgbClr val="000000"/>
+                </a:solidFill>
+                <a:effectLst/>
+                <a:latin typeface="JetBrains Mono" panose="02000009000000000000" pitchFamily="49" charset="0"/>
+              </a:rPr>
+              <a:t>);</a:t>
+            </a:r>
+          </a:p>
+        </p:txBody>
+      </p:sp>
+    </p:spTree>
+    <p:extLst>
+      <p:ext uri="{BB962C8B-B14F-4D97-AF65-F5344CB8AC3E}">
+        <p14:creationId xmlns:p14="http://schemas.microsoft.com/office/powerpoint/2010/main" val="3477738476"/>
+      </p:ext>
+    </p:extLst>
+  </p:cSld>
+  <p:clrMapOvr>
+    <a:masterClrMapping/>
+  </p:clrMapOvr>
+</p:sld>
+</file>
+
+<file path=ppt/slides/slide11.xml><?xml version="1.0" encoding="utf-8"?>
+<p:sld xmlns:a="http://schemas.openxmlformats.org/drawingml/2006/main" xmlns:r="http://schemas.openxmlformats.org/officeDocument/2006/relationships" xmlns:p="http://schemas.openxmlformats.org/presentationml/2006/main">
+  <p:cSld>
+    <p:spTree>
+      <p:nvGrpSpPr>
+        <p:cNvPr id="1" name="">
+          <a:extLst>
+            <a:ext uri="{FF2B5EF4-FFF2-40B4-BE49-F238E27FC236}">
+              <a16:creationId xmlns:a16="http://schemas.microsoft.com/office/drawing/2014/main" id="{2048BE38-B8B9-5521-43F9-D0BC15686650}"/>
+            </a:ext>
+          </a:extLst>
+        </p:cNvPr>
+        <p:cNvGrpSpPr/>
+        <p:nvPr/>
+      </p:nvGrpSpPr>
+      <p:grpSpPr>
+        <a:xfrm>
+          <a:off x="0" y="0"/>
+          <a:ext cx="0" cy="0"/>
+          <a:chOff x="0" y="0"/>
+          <a:chExt cx="0" cy="0"/>
+        </a:xfrm>
+      </p:grpSpPr>
+      <p:sp>
+        <p:nvSpPr>
+          <p:cNvPr id="2" name="Title 1">
+            <a:extLst>
+              <a:ext uri="{FF2B5EF4-FFF2-40B4-BE49-F238E27FC236}">
+                <a16:creationId xmlns:a16="http://schemas.microsoft.com/office/drawing/2014/main" id="{CB96E1BA-4E46-5CCA-BFC3-81C6AB73BA4F}"/>
+              </a:ext>
+            </a:extLst>
+          </p:cNvPr>
+          <p:cNvSpPr>
+            <a:spLocks noGrp="1"/>
+          </p:cNvSpPr>
+          <p:nvPr>
+            <p:ph type="title"/>
+          </p:nvPr>
+        </p:nvSpPr>
+        <p:spPr/>
+        <p:txBody>
+          <a:bodyPr/>
+          <a:lstStyle/>
+          <a:p>
+            <a:r>
+              <a:rPr lang="en-US">
+                <a:latin typeface="Arial" panose="020B0604020202020204" pitchFamily="34" charset="0"/>
+                <a:cs typeface="Arial" panose="020B0604020202020204" pitchFamily="34" charset="0"/>
+              </a:rPr>
+              <a:t>Custom table</a:t>
+            </a:r>
+          </a:p>
+        </p:txBody>
+      </p:sp>
+      <p:sp>
+        <p:nvSpPr>
+          <p:cNvPr id="3" name="Content Placeholder 2">
+            <a:extLst>
+              <a:ext uri="{FF2B5EF4-FFF2-40B4-BE49-F238E27FC236}">
+                <a16:creationId xmlns:a16="http://schemas.microsoft.com/office/drawing/2014/main" id="{D662FE52-16B8-8037-1A2B-EC3131058C18}"/>
+              </a:ext>
+            </a:extLst>
+          </p:cNvPr>
+          <p:cNvSpPr>
+            <a:spLocks noGrp="1"/>
+          </p:cNvSpPr>
+          <p:nvPr>
+            <p:ph idx="1"/>
+          </p:nvPr>
+        </p:nvSpPr>
+        <p:spPr/>
+        <p:txBody>
+          <a:bodyPr>
+            <a:normAutofit/>
+          </a:bodyPr>
+          <a:lstStyle/>
+          <a:p>
+            <a:r>
+              <a:rPr lang="en-US">
+                <a:latin typeface="Arial" panose="020B0604020202020204" pitchFamily="34" charset="0"/>
+                <a:cs typeface="Arial" panose="020B0604020202020204" pitchFamily="34" charset="0"/>
+              </a:rPr>
+              <a:t>Quay lại config security</a:t>
+            </a:r>
+          </a:p>
+          <a:p>
+            <a:endParaRPr lang="en-US">
+              <a:latin typeface="Arial" panose="020B0604020202020204" pitchFamily="34" charset="0"/>
+              <a:cs typeface="Arial" panose="020B0604020202020204" pitchFamily="34" charset="0"/>
+            </a:endParaRPr>
+          </a:p>
+          <a:p>
+            <a:endParaRPr lang="en-US">
+              <a:latin typeface="Arial" panose="020B0604020202020204" pitchFamily="34" charset="0"/>
+              <a:cs typeface="Arial" panose="020B0604020202020204" pitchFamily="34" charset="0"/>
+            </a:endParaRPr>
+          </a:p>
+          <a:p>
+            <a:endParaRPr lang="en-US">
+              <a:latin typeface="Arial" panose="020B0604020202020204" pitchFamily="34" charset="0"/>
+              <a:cs typeface="Arial" panose="020B0604020202020204" pitchFamily="34" charset="0"/>
+            </a:endParaRPr>
+          </a:p>
+          <a:p>
+            <a:endParaRPr lang="en-US">
+              <a:latin typeface="Arial" panose="020B0604020202020204" pitchFamily="34" charset="0"/>
+              <a:cs typeface="Arial" panose="020B0604020202020204" pitchFamily="34" charset="0"/>
+            </a:endParaRPr>
+          </a:p>
+          <a:p>
+            <a:r>
+              <a:rPr lang="en-US">
+                <a:latin typeface="Arial" panose="020B0604020202020204" pitchFamily="34" charset="0"/>
+                <a:cs typeface="Arial" panose="020B0604020202020204" pitchFamily="34" charset="0"/>
+              </a:rPr>
+              <a:t>Lưu và chạy thử xem nhé:</a:t>
+            </a:r>
+          </a:p>
+          <a:p>
+            <a:endParaRPr lang="en-US">
+              <a:latin typeface="Arial" panose="020B0604020202020204" pitchFamily="34" charset="0"/>
+              <a:cs typeface="Arial" panose="020B0604020202020204" pitchFamily="34" charset="0"/>
+            </a:endParaRPr>
+          </a:p>
+          <a:p>
+            <a:endParaRPr lang="en-US">
+              <a:latin typeface="Arial" panose="020B0604020202020204" pitchFamily="34" charset="0"/>
+              <a:cs typeface="Arial" panose="020B0604020202020204" pitchFamily="34" charset="0"/>
+            </a:endParaRPr>
+          </a:p>
+          <a:p>
+            <a:endParaRPr lang="en-US">
+              <a:latin typeface="Arial" panose="020B0604020202020204" pitchFamily="34" charset="0"/>
+              <a:cs typeface="Arial" panose="020B0604020202020204" pitchFamily="34" charset="0"/>
+            </a:endParaRPr>
+          </a:p>
+          <a:p>
+            <a:endParaRPr lang="en-US">
+              <a:latin typeface="Arial" panose="020B0604020202020204" pitchFamily="34" charset="0"/>
+              <a:cs typeface="Arial" panose="020B0604020202020204" pitchFamily="34" charset="0"/>
+            </a:endParaRPr>
+          </a:p>
+          <a:p>
+            <a:endParaRPr lang="en-US">
+              <a:latin typeface="Arial" panose="020B0604020202020204" pitchFamily="34" charset="0"/>
+              <a:cs typeface="Arial" panose="020B0604020202020204" pitchFamily="34" charset="0"/>
+            </a:endParaRPr>
+          </a:p>
+        </p:txBody>
+      </p:sp>
+      <p:pic>
+        <p:nvPicPr>
+          <p:cNvPr id="5" name="Picture 4">
+            <a:extLst>
+              <a:ext uri="{FF2B5EF4-FFF2-40B4-BE49-F238E27FC236}">
+                <a16:creationId xmlns:a16="http://schemas.microsoft.com/office/drawing/2014/main" id="{56890BF9-7FAC-7D60-A9D9-D8C6F63393B7}"/>
+              </a:ext>
+            </a:extLst>
+          </p:cNvPr>
+          <p:cNvPicPr>
+            <a:picLocks noChangeAspect="1"/>
+          </p:cNvPicPr>
+          <p:nvPr/>
+        </p:nvPicPr>
+        <p:blipFill>
+          <a:blip r:embed="rId2"/>
+          <a:stretch>
+            <a:fillRect/>
+          </a:stretch>
+        </p:blipFill>
+        <p:spPr>
+          <a:xfrm>
+            <a:off x="677334" y="2693242"/>
+            <a:ext cx="6629400" cy="1085850"/>
+          </a:xfrm>
+          <a:prstGeom prst="rect">
+            <a:avLst/>
+          </a:prstGeom>
+        </p:spPr>
+      </p:pic>
+    </p:spTree>
+    <p:extLst>
+      <p:ext uri="{BB962C8B-B14F-4D97-AF65-F5344CB8AC3E}">
+        <p14:creationId xmlns:p14="http://schemas.microsoft.com/office/powerpoint/2010/main" val="1641784844"/>
+      </p:ext>
+    </p:extLst>
+  </p:cSld>
+  <p:clrMapOvr>
+    <a:masterClrMapping/>
+  </p:clrMapOvr>
+</p:sld>
+</file>
+
+<file path=ppt/slides/slide12.xml><?xml version="1.0" encoding="utf-8"?>
+<p:sld xmlns:a="http://schemas.openxmlformats.org/drawingml/2006/main" xmlns:r="http://schemas.openxmlformats.org/officeDocument/2006/relationships" xmlns:p="http://schemas.openxmlformats.org/presentationml/2006/main">
+  <p:cSld>
+    <p:spTree>
+      <p:nvGrpSpPr>
+        <p:cNvPr id="1" name="">
+          <a:extLst>
+            <a:ext uri="{FF2B5EF4-FFF2-40B4-BE49-F238E27FC236}">
+              <a16:creationId xmlns:a16="http://schemas.microsoft.com/office/drawing/2014/main" id="{EC6B266D-5EC4-63A9-09EA-632B2B342157}"/>
+            </a:ext>
+          </a:extLst>
+        </p:cNvPr>
+        <p:cNvGrpSpPr/>
+        <p:nvPr/>
+      </p:nvGrpSpPr>
+      <p:grpSpPr>
+        <a:xfrm>
+          <a:off x="0" y="0"/>
+          <a:ext cx="0" cy="0"/>
+          <a:chOff x="0" y="0"/>
+          <a:chExt cx="0" cy="0"/>
+        </a:xfrm>
+      </p:grpSpPr>
+      <p:sp>
+        <p:nvSpPr>
+          <p:cNvPr id="2" name="Title 1">
+            <a:extLst>
+              <a:ext uri="{FF2B5EF4-FFF2-40B4-BE49-F238E27FC236}">
+                <a16:creationId xmlns:a16="http://schemas.microsoft.com/office/drawing/2014/main" id="{830CB39C-C1C9-0889-50E5-009CC8E6AFCF}"/>
+              </a:ext>
+            </a:extLst>
+          </p:cNvPr>
+          <p:cNvSpPr>
+            <a:spLocks noGrp="1"/>
+          </p:cNvSpPr>
+          <p:nvPr>
+            <p:ph type="title"/>
+          </p:nvPr>
+        </p:nvSpPr>
+        <p:spPr/>
+        <p:txBody>
+          <a:bodyPr/>
+          <a:lstStyle/>
+          <a:p>
+            <a:r>
+              <a:rPr lang="en-US">
+                <a:latin typeface="Arial" panose="020B0604020202020204" pitchFamily="34" charset="0"/>
+                <a:cs typeface="Arial" panose="020B0604020202020204" pitchFamily="34" charset="0"/>
+              </a:rPr>
+              <a:t>Custom table</a:t>
+            </a:r>
+          </a:p>
+        </p:txBody>
+      </p:sp>
+      <p:sp>
+        <p:nvSpPr>
+          <p:cNvPr id="3" name="Content Placeholder 2">
+            <a:extLst>
+              <a:ext uri="{FF2B5EF4-FFF2-40B4-BE49-F238E27FC236}">
+                <a16:creationId xmlns:a16="http://schemas.microsoft.com/office/drawing/2014/main" id="{7534DBBC-1370-77C7-7BFA-BE43DE27B9D1}"/>
+              </a:ext>
+            </a:extLst>
+          </p:cNvPr>
+          <p:cNvSpPr>
+            <a:spLocks noGrp="1"/>
+          </p:cNvSpPr>
+          <p:nvPr>
+            <p:ph idx="1"/>
+          </p:nvPr>
+        </p:nvSpPr>
+        <p:spPr/>
+        <p:txBody>
+          <a:bodyPr>
+            <a:normAutofit/>
+          </a:bodyPr>
+          <a:lstStyle/>
+          <a:p>
+            <a:r>
+              <a:rPr lang="en-US">
+                <a:latin typeface="Arial" panose="020B0604020202020204" pitchFamily="34" charset="0"/>
+                <a:cs typeface="Arial" panose="020B0604020202020204" pitchFamily="34" charset="0"/>
+              </a:rPr>
+              <a:t>Exception:</a:t>
+            </a:r>
+          </a:p>
+          <a:p>
+            <a:endParaRPr lang="en-US">
+              <a:latin typeface="Arial" panose="020B0604020202020204" pitchFamily="34" charset="0"/>
+              <a:cs typeface="Arial" panose="020B0604020202020204" pitchFamily="34" charset="0"/>
+            </a:endParaRPr>
+          </a:p>
+          <a:p>
+            <a:endParaRPr lang="en-US">
+              <a:latin typeface="Arial" panose="020B0604020202020204" pitchFamily="34" charset="0"/>
+              <a:cs typeface="Arial" panose="020B0604020202020204" pitchFamily="34" charset="0"/>
+            </a:endParaRPr>
+          </a:p>
+          <a:p>
+            <a:endParaRPr lang="en-US">
+              <a:latin typeface="Arial" panose="020B0604020202020204" pitchFamily="34" charset="0"/>
+              <a:cs typeface="Arial" panose="020B0604020202020204" pitchFamily="34" charset="0"/>
+            </a:endParaRPr>
+          </a:p>
+          <a:p>
+            <a:endParaRPr lang="en-US">
+              <a:latin typeface="Arial" panose="020B0604020202020204" pitchFamily="34" charset="0"/>
+              <a:cs typeface="Arial" panose="020B0604020202020204" pitchFamily="34" charset="0"/>
+            </a:endParaRPr>
+          </a:p>
+          <a:p>
+            <a:endParaRPr lang="en-US">
+              <a:latin typeface="Arial" panose="020B0604020202020204" pitchFamily="34" charset="0"/>
+              <a:cs typeface="Arial" panose="020B0604020202020204" pitchFamily="34" charset="0"/>
+            </a:endParaRPr>
+          </a:p>
+          <a:p>
+            <a:r>
+              <a:rPr lang="en-US">
+                <a:latin typeface="Arial" panose="020B0604020202020204" pitchFamily="34" charset="0"/>
+                <a:cs typeface="Arial" panose="020B0604020202020204" pitchFamily="34" charset="0"/>
+              </a:rPr>
+              <a:t>Có thể thấy ở log đang gặp exception khi Spring đang cố lấy thông tin từ table user chứ không phải members.</a:t>
+            </a:r>
+          </a:p>
+          <a:p>
+            <a:r>
+              <a:rPr lang="en-US">
+                <a:latin typeface="Arial" panose="020B0604020202020204" pitchFamily="34" charset="0"/>
+                <a:cs typeface="Arial" panose="020B0604020202020204" pitchFamily="34" charset="0"/>
+              </a:rPr>
+              <a:t>Giờ phải làm thế nào để config cho Spring từ user sang members?</a:t>
+            </a:r>
+          </a:p>
+        </p:txBody>
+      </p:sp>
+      <p:pic>
+        <p:nvPicPr>
+          <p:cNvPr id="6" name="Picture 5">
+            <a:extLst>
+              <a:ext uri="{FF2B5EF4-FFF2-40B4-BE49-F238E27FC236}">
+                <a16:creationId xmlns:a16="http://schemas.microsoft.com/office/drawing/2014/main" id="{EA152459-80BF-775D-F0FE-6128201E9213}"/>
+              </a:ext>
+            </a:extLst>
+          </p:cNvPr>
+          <p:cNvPicPr>
+            <a:picLocks noChangeAspect="1"/>
+          </p:cNvPicPr>
+          <p:nvPr/>
+        </p:nvPicPr>
+        <p:blipFill>
+          <a:blip r:embed="rId2"/>
+          <a:stretch>
+            <a:fillRect/>
+          </a:stretch>
+        </p:blipFill>
+        <p:spPr>
+          <a:xfrm>
+            <a:off x="677334" y="2658143"/>
+            <a:ext cx="10076033" cy="1541714"/>
+          </a:xfrm>
+          <a:prstGeom prst="rect">
+            <a:avLst/>
+          </a:prstGeom>
+        </p:spPr>
+      </p:pic>
+    </p:spTree>
+    <p:extLst>
+      <p:ext uri="{BB962C8B-B14F-4D97-AF65-F5344CB8AC3E}">
+        <p14:creationId xmlns:p14="http://schemas.microsoft.com/office/powerpoint/2010/main" val="700421721"/>
+      </p:ext>
+    </p:extLst>
+  </p:cSld>
+  <p:clrMapOvr>
+    <a:masterClrMapping/>
+  </p:clrMapOvr>
+</p:sld>
+</file>
+
+<file path=ppt/slides/slide13.xml><?xml version="1.0" encoding="utf-8"?>
+<p:sld xmlns:a="http://schemas.openxmlformats.org/drawingml/2006/main" xmlns:r="http://schemas.openxmlformats.org/officeDocument/2006/relationships" xmlns:p="http://schemas.openxmlformats.org/presentationml/2006/main">
+  <p:cSld>
+    <p:spTree>
+      <p:nvGrpSpPr>
+        <p:cNvPr id="1" name="">
+          <a:extLst>
+            <a:ext uri="{FF2B5EF4-FFF2-40B4-BE49-F238E27FC236}">
+              <a16:creationId xmlns:a16="http://schemas.microsoft.com/office/drawing/2014/main" id="{8FD33A30-AFAB-692D-BDBE-F8F9A17FACF5}"/>
+            </a:ext>
+          </a:extLst>
+        </p:cNvPr>
+        <p:cNvGrpSpPr/>
+        <p:nvPr/>
+      </p:nvGrpSpPr>
+      <p:grpSpPr>
+        <a:xfrm>
+          <a:off x="0" y="0"/>
+          <a:ext cx="0" cy="0"/>
+          <a:chOff x="0" y="0"/>
+          <a:chExt cx="0" cy="0"/>
+        </a:xfrm>
+      </p:grpSpPr>
+      <p:sp>
+        <p:nvSpPr>
+          <p:cNvPr id="2" name="Title 1">
+            <a:extLst>
+              <a:ext uri="{FF2B5EF4-FFF2-40B4-BE49-F238E27FC236}">
+                <a16:creationId xmlns:a16="http://schemas.microsoft.com/office/drawing/2014/main" id="{1A8B23B1-549E-B8F8-2D39-5B403488DD2A}"/>
+              </a:ext>
+            </a:extLst>
+          </p:cNvPr>
+          <p:cNvSpPr>
+            <a:spLocks noGrp="1"/>
+          </p:cNvSpPr>
+          <p:nvPr>
+            <p:ph type="title"/>
+          </p:nvPr>
+        </p:nvSpPr>
+        <p:spPr/>
+        <p:txBody>
+          <a:bodyPr/>
+          <a:lstStyle/>
+          <a:p>
+            <a:r>
+              <a:rPr lang="en-US">
+                <a:latin typeface="Arial" panose="020B0604020202020204" pitchFamily="34" charset="0"/>
+                <a:cs typeface="Arial" panose="020B0604020202020204" pitchFamily="34" charset="0"/>
+              </a:rPr>
+              <a:t>Custom table</a:t>
+            </a:r>
+          </a:p>
+        </p:txBody>
+      </p:sp>
+      <p:sp>
+        <p:nvSpPr>
+          <p:cNvPr id="3" name="Content Placeholder 2">
+            <a:extLst>
+              <a:ext uri="{FF2B5EF4-FFF2-40B4-BE49-F238E27FC236}">
+                <a16:creationId xmlns:a16="http://schemas.microsoft.com/office/drawing/2014/main" id="{255A9212-A322-3A23-4370-D5A4121C305D}"/>
+              </a:ext>
+            </a:extLst>
+          </p:cNvPr>
+          <p:cNvSpPr>
+            <a:spLocks noGrp="1"/>
+          </p:cNvSpPr>
+          <p:nvPr>
+            <p:ph idx="1"/>
+          </p:nvPr>
+        </p:nvSpPr>
+        <p:spPr/>
+        <p:txBody>
+          <a:bodyPr>
+            <a:normAutofit/>
+          </a:bodyPr>
+          <a:lstStyle/>
+          <a:p>
+            <a:r>
+              <a:rPr lang="en-US">
+                <a:latin typeface="Arial" panose="020B0604020202020204" pitchFamily="34" charset="0"/>
+                <a:cs typeface="Arial" panose="020B0604020202020204" pitchFamily="34" charset="0"/>
+              </a:rPr>
+              <a:t>Hiện tại Spring đang sử dụng SQL này để lấy thông tin user.</a:t>
+            </a:r>
+          </a:p>
+          <a:p>
+            <a:endParaRPr lang="en-US">
+              <a:latin typeface="Arial" panose="020B0604020202020204" pitchFamily="34" charset="0"/>
+              <a:cs typeface="Arial" panose="020B0604020202020204" pitchFamily="34" charset="0"/>
+            </a:endParaRPr>
+          </a:p>
+          <a:p>
+            <a:endParaRPr lang="en-US">
+              <a:latin typeface="Arial" panose="020B0604020202020204" pitchFamily="34" charset="0"/>
+              <a:cs typeface="Arial" panose="020B0604020202020204" pitchFamily="34" charset="0"/>
+            </a:endParaRPr>
+          </a:p>
+          <a:p>
+            <a:endParaRPr lang="en-US">
+              <a:latin typeface="Arial" panose="020B0604020202020204" pitchFamily="34" charset="0"/>
+              <a:cs typeface="Arial" panose="020B0604020202020204" pitchFamily="34" charset="0"/>
+            </a:endParaRPr>
+          </a:p>
+          <a:p>
+            <a:endParaRPr lang="en-US">
+              <a:latin typeface="Arial" panose="020B0604020202020204" pitchFamily="34" charset="0"/>
+              <a:cs typeface="Arial" panose="020B0604020202020204" pitchFamily="34" charset="0"/>
+            </a:endParaRPr>
+          </a:p>
+          <a:p>
+            <a:endParaRPr lang="en-US">
+              <a:latin typeface="Arial" panose="020B0604020202020204" pitchFamily="34" charset="0"/>
+              <a:cs typeface="Arial" panose="020B0604020202020204" pitchFamily="34" charset="0"/>
+            </a:endParaRPr>
+          </a:p>
+          <a:p>
+            <a:r>
+              <a:rPr lang="en-US">
+                <a:latin typeface="Arial" panose="020B0604020202020204" pitchFamily="34" charset="0"/>
+                <a:cs typeface="Arial" panose="020B0604020202020204" pitchFamily="34" charset="0"/>
+              </a:rPr>
+              <a:t>Giờ ta sẽ ghi đè lại nó để lấy thông tin từ members.</a:t>
+            </a:r>
+          </a:p>
+        </p:txBody>
+      </p:sp>
+      <p:pic>
+        <p:nvPicPr>
+          <p:cNvPr id="6" name="Picture 5">
+            <a:extLst>
+              <a:ext uri="{FF2B5EF4-FFF2-40B4-BE49-F238E27FC236}">
+                <a16:creationId xmlns:a16="http://schemas.microsoft.com/office/drawing/2014/main" id="{CD1AF2DB-09DE-0A83-075F-1D6B496A4309}"/>
+              </a:ext>
+            </a:extLst>
+          </p:cNvPr>
+          <p:cNvPicPr>
+            <a:picLocks noChangeAspect="1"/>
+          </p:cNvPicPr>
+          <p:nvPr/>
+        </p:nvPicPr>
+        <p:blipFill>
+          <a:blip r:embed="rId2"/>
+          <a:stretch>
+            <a:fillRect/>
+          </a:stretch>
+        </p:blipFill>
+        <p:spPr>
+          <a:xfrm>
+            <a:off x="677334" y="2658143"/>
+            <a:ext cx="10076033" cy="1541714"/>
+          </a:xfrm>
+          <a:prstGeom prst="rect">
+            <a:avLst/>
+          </a:prstGeom>
+        </p:spPr>
+      </p:pic>
+      <p:sp>
+        <p:nvSpPr>
+          <p:cNvPr id="4" name="Rectangle 3">
+            <a:extLst>
+              <a:ext uri="{FF2B5EF4-FFF2-40B4-BE49-F238E27FC236}">
+                <a16:creationId xmlns:a16="http://schemas.microsoft.com/office/drawing/2014/main" id="{D62912A3-FD1A-3BD5-B75C-9EDB513F5C67}"/>
+              </a:ext>
+            </a:extLst>
+          </p:cNvPr>
+          <p:cNvSpPr/>
+          <p:nvPr/>
+        </p:nvSpPr>
+        <p:spPr>
+          <a:xfrm>
+            <a:off x="7333861" y="3429000"/>
+            <a:ext cx="3419506" cy="216159"/>
+          </a:xfrm>
+          <a:prstGeom prst="rect">
+            <a:avLst/>
+          </a:prstGeom>
+          <a:noFill/>
+          <a:ln>
+            <a:solidFill>
+              <a:srgbClr val="FF0000"/>
+            </a:solidFill>
+          </a:ln>
+        </p:spPr>
+        <p:style>
+          <a:lnRef idx="2">
+            <a:schemeClr val="accent1">
+              <a:shade val="15000"/>
+            </a:schemeClr>
+          </a:lnRef>
+          <a:fillRef idx="1">
+            <a:schemeClr val="accent1"/>
+          </a:fillRef>
+          <a:effectRef idx="0">
+            <a:schemeClr val="accent1"/>
+          </a:effectRef>
+          <a:fontRef idx="minor">
+            <a:schemeClr val="lt1"/>
+          </a:fontRef>
+        </p:style>
+        <p:txBody>
+          <a:bodyPr rtlCol="0" anchor="ctr"/>
+          <a:lstStyle/>
+          <a:p>
+            <a:pPr algn="ctr"/>
+            <a:endParaRPr lang="en-US"/>
+          </a:p>
+        </p:txBody>
+      </p:sp>
+    </p:spTree>
+    <p:extLst>
+      <p:ext uri="{BB962C8B-B14F-4D97-AF65-F5344CB8AC3E}">
+        <p14:creationId xmlns:p14="http://schemas.microsoft.com/office/powerpoint/2010/main" val="1799490849"/>
+      </p:ext>
+    </p:extLst>
+  </p:cSld>
+  <p:clrMapOvr>
+    <a:masterClrMapping/>
+  </p:clrMapOvr>
+</p:sld>
+</file>
+
+<file path=ppt/slides/slide14.xml><?xml version="1.0" encoding="utf-8"?>
+<p:sld xmlns:a="http://schemas.openxmlformats.org/drawingml/2006/main" xmlns:r="http://schemas.openxmlformats.org/officeDocument/2006/relationships" xmlns:p="http://schemas.openxmlformats.org/presentationml/2006/main">
+  <p:cSld>
+    <p:spTree>
+      <p:nvGrpSpPr>
+        <p:cNvPr id="1" name="">
+          <a:extLst>
+            <a:ext uri="{FF2B5EF4-FFF2-40B4-BE49-F238E27FC236}">
+              <a16:creationId xmlns:a16="http://schemas.microsoft.com/office/drawing/2014/main" id="{EB749C84-E78D-50CB-003A-1371662030B5}"/>
+            </a:ext>
+          </a:extLst>
+        </p:cNvPr>
+        <p:cNvGrpSpPr/>
+        <p:nvPr/>
+      </p:nvGrpSpPr>
+      <p:grpSpPr>
+        <a:xfrm>
+          <a:off x="0" y="0"/>
+          <a:ext cx="0" cy="0"/>
+          <a:chOff x="0" y="0"/>
+          <a:chExt cx="0" cy="0"/>
+        </a:xfrm>
+      </p:grpSpPr>
+      <p:sp>
+        <p:nvSpPr>
+          <p:cNvPr id="2" name="Title 1">
+            <a:extLst>
+              <a:ext uri="{FF2B5EF4-FFF2-40B4-BE49-F238E27FC236}">
+                <a16:creationId xmlns:a16="http://schemas.microsoft.com/office/drawing/2014/main" id="{4ACAAB44-A0FA-CC4D-84B3-8F79FFF807FB}"/>
+              </a:ext>
+            </a:extLst>
+          </p:cNvPr>
+          <p:cNvSpPr>
+            <a:spLocks noGrp="1"/>
+          </p:cNvSpPr>
+          <p:nvPr>
+            <p:ph type="title"/>
+          </p:nvPr>
+        </p:nvSpPr>
+        <p:spPr/>
+        <p:txBody>
+          <a:bodyPr/>
+          <a:lstStyle/>
+          <a:p>
+            <a:r>
+              <a:rPr lang="en-US">
+                <a:latin typeface="Arial" panose="020B0604020202020204" pitchFamily="34" charset="0"/>
+                <a:cs typeface="Arial" panose="020B0604020202020204" pitchFamily="34" charset="0"/>
+              </a:rPr>
+              <a:t>Custom table</a:t>
+            </a:r>
+          </a:p>
+        </p:txBody>
+      </p:sp>
+      <p:sp>
+        <p:nvSpPr>
+          <p:cNvPr id="3" name="Content Placeholder 2">
+            <a:extLst>
+              <a:ext uri="{FF2B5EF4-FFF2-40B4-BE49-F238E27FC236}">
+                <a16:creationId xmlns:a16="http://schemas.microsoft.com/office/drawing/2014/main" id="{FDFB8DC8-AB7F-FFE9-C1D0-892636EAA900}"/>
+              </a:ext>
+            </a:extLst>
+          </p:cNvPr>
+          <p:cNvSpPr>
+            <a:spLocks noGrp="1"/>
+          </p:cNvSpPr>
+          <p:nvPr>
+            <p:ph idx="1"/>
+          </p:nvPr>
+        </p:nvSpPr>
+        <p:spPr/>
+        <p:txBody>
+          <a:bodyPr>
+            <a:normAutofit/>
+          </a:bodyPr>
+          <a:lstStyle/>
+          <a:p>
+            <a:r>
+              <a:rPr lang="en-US">
+                <a:latin typeface="Arial" panose="020B0604020202020204" pitchFamily="34" charset="0"/>
+                <a:cs typeface="Arial" panose="020B0604020202020204" pitchFamily="34" charset="0"/>
+              </a:rPr>
+              <a:t>Override lại câu SQL mặc định của Spring ở đây: </a:t>
+            </a:r>
+          </a:p>
+          <a:p>
+            <a:pPr lvl="1"/>
+            <a:r>
+              <a:rPr lang="en-US">
+                <a:latin typeface="Arial" panose="020B0604020202020204" pitchFamily="34" charset="0"/>
+                <a:cs typeface="Arial" panose="020B0604020202020204" pitchFamily="34" charset="0"/>
+              </a:rPr>
+              <a:t>org.springframework.security.core.userdetails.jdbc.JdbcDaoImpl.JdbcDaoImpl()</a:t>
+            </a:r>
+          </a:p>
+          <a:p>
+            <a:endParaRPr lang="en-US">
+              <a:latin typeface="Arial" panose="020B0604020202020204" pitchFamily="34" charset="0"/>
+              <a:cs typeface="Arial" panose="020B0604020202020204" pitchFamily="34" charset="0"/>
+            </a:endParaRPr>
+          </a:p>
+          <a:p>
+            <a:endParaRPr lang="en-US">
+              <a:latin typeface="Arial" panose="020B0604020202020204" pitchFamily="34" charset="0"/>
+              <a:cs typeface="Arial" panose="020B0604020202020204" pitchFamily="34" charset="0"/>
+            </a:endParaRPr>
+          </a:p>
+          <a:p>
+            <a:endParaRPr lang="en-US">
+              <a:latin typeface="Arial" panose="020B0604020202020204" pitchFamily="34" charset="0"/>
+              <a:cs typeface="Arial" panose="020B0604020202020204" pitchFamily="34" charset="0"/>
+            </a:endParaRPr>
+          </a:p>
+          <a:p>
+            <a:endParaRPr lang="en-US">
+              <a:latin typeface="Arial" panose="020B0604020202020204" pitchFamily="34" charset="0"/>
+              <a:cs typeface="Arial" panose="020B0604020202020204" pitchFamily="34" charset="0"/>
+            </a:endParaRPr>
+          </a:p>
+          <a:p>
+            <a:endParaRPr lang="en-US">
+              <a:latin typeface="Arial" panose="020B0604020202020204" pitchFamily="34" charset="0"/>
+              <a:cs typeface="Arial" panose="020B0604020202020204" pitchFamily="34" charset="0"/>
+            </a:endParaRPr>
+          </a:p>
+          <a:p>
+            <a:r>
+              <a:rPr lang="en-US">
+                <a:latin typeface="Arial" panose="020B0604020202020204" pitchFamily="34" charset="0"/>
+                <a:cs typeface="Arial" panose="020B0604020202020204" pitchFamily="34" charset="0"/>
+              </a:rPr>
+              <a:t>Chạy thử xem có lỗi gì nữa không</a:t>
+            </a:r>
+          </a:p>
+        </p:txBody>
+      </p:sp>
+      <p:pic>
+        <p:nvPicPr>
+          <p:cNvPr id="11" name="Picture 10">
+            <a:extLst>
+              <a:ext uri="{FF2B5EF4-FFF2-40B4-BE49-F238E27FC236}">
+                <a16:creationId xmlns:a16="http://schemas.microsoft.com/office/drawing/2014/main" id="{6323822D-D0C2-0597-2C16-25321E9E9A54}"/>
+              </a:ext>
+            </a:extLst>
+          </p:cNvPr>
+          <p:cNvPicPr>
+            <a:picLocks noChangeAspect="1"/>
+          </p:cNvPicPr>
+          <p:nvPr/>
+        </p:nvPicPr>
+        <p:blipFill>
+          <a:blip r:embed="rId2"/>
+          <a:stretch>
+            <a:fillRect/>
+          </a:stretch>
+        </p:blipFill>
+        <p:spPr>
+          <a:xfrm>
+            <a:off x="677334" y="2985861"/>
+            <a:ext cx="9194380" cy="1259505"/>
+          </a:xfrm>
+          <a:prstGeom prst="rect">
+            <a:avLst/>
+          </a:prstGeom>
+        </p:spPr>
+      </p:pic>
+    </p:spTree>
+    <p:extLst>
+      <p:ext uri="{BB962C8B-B14F-4D97-AF65-F5344CB8AC3E}">
+        <p14:creationId xmlns:p14="http://schemas.microsoft.com/office/powerpoint/2010/main" val="2685884442"/>
+      </p:ext>
+    </p:extLst>
+  </p:cSld>
+  <p:clrMapOvr>
+    <a:masterClrMapping/>
+  </p:clrMapOvr>
+</p:sld>
+</file>
+
+<file path=ppt/slides/slide15.xml><?xml version="1.0" encoding="utf-8"?>
+<p:sld xmlns:a="http://schemas.openxmlformats.org/drawingml/2006/main" xmlns:r="http://schemas.openxmlformats.org/officeDocument/2006/relationships" xmlns:p="http://schemas.openxmlformats.org/presentationml/2006/main">
+  <p:cSld>
+    <p:spTree>
+      <p:nvGrpSpPr>
+        <p:cNvPr id="1" name="">
+          <a:extLst>
+            <a:ext uri="{FF2B5EF4-FFF2-40B4-BE49-F238E27FC236}">
+              <a16:creationId xmlns:a16="http://schemas.microsoft.com/office/drawing/2014/main" id="{F3EB43FC-3653-CEA7-D1AE-87390A940867}"/>
+            </a:ext>
+          </a:extLst>
+        </p:cNvPr>
+        <p:cNvGrpSpPr/>
+        <p:nvPr/>
+      </p:nvGrpSpPr>
+      <p:grpSpPr>
+        <a:xfrm>
+          <a:off x="0" y="0"/>
+          <a:ext cx="0" cy="0"/>
+          <a:chOff x="0" y="0"/>
+          <a:chExt cx="0" cy="0"/>
+        </a:xfrm>
+      </p:grpSpPr>
+      <p:sp>
+        <p:nvSpPr>
+          <p:cNvPr id="2" name="Title 1">
+            <a:extLst>
+              <a:ext uri="{FF2B5EF4-FFF2-40B4-BE49-F238E27FC236}">
+                <a16:creationId xmlns:a16="http://schemas.microsoft.com/office/drawing/2014/main" id="{5069F696-860E-7DFB-5D22-ADB37405E69E}"/>
+              </a:ext>
+            </a:extLst>
+          </p:cNvPr>
+          <p:cNvSpPr>
+            <a:spLocks noGrp="1"/>
+          </p:cNvSpPr>
+          <p:nvPr>
+            <p:ph type="title"/>
+          </p:nvPr>
+        </p:nvSpPr>
+        <p:spPr/>
+        <p:txBody>
+          <a:bodyPr/>
+          <a:lstStyle/>
+          <a:p>
+            <a:r>
+              <a:rPr lang="en-US">
+                <a:latin typeface="Arial" panose="020B0604020202020204" pitchFamily="34" charset="0"/>
+                <a:cs typeface="Arial" panose="020B0604020202020204" pitchFamily="34" charset="0"/>
+              </a:rPr>
+              <a:t>Custom table</a:t>
+            </a:r>
+          </a:p>
+        </p:txBody>
+      </p:sp>
+      <p:sp>
+        <p:nvSpPr>
+          <p:cNvPr id="3" name="Content Placeholder 2">
+            <a:extLst>
+              <a:ext uri="{FF2B5EF4-FFF2-40B4-BE49-F238E27FC236}">
+                <a16:creationId xmlns:a16="http://schemas.microsoft.com/office/drawing/2014/main" id="{AE9AC84E-6A82-9DCA-4184-D7967417FD41}"/>
+              </a:ext>
+            </a:extLst>
+          </p:cNvPr>
+          <p:cNvSpPr>
+            <a:spLocks noGrp="1"/>
+          </p:cNvSpPr>
+          <p:nvPr>
+            <p:ph idx="1"/>
+          </p:nvPr>
+        </p:nvSpPr>
+        <p:spPr/>
+        <p:txBody>
+          <a:bodyPr>
+            <a:normAutofit/>
+          </a:bodyPr>
+          <a:lstStyle/>
+          <a:p>
+            <a:r>
+              <a:rPr lang="en-US">
+                <a:latin typeface="Arial" panose="020B0604020202020204" pitchFamily="34" charset="0"/>
+                <a:cs typeface="Arial" panose="020B0604020202020204" pitchFamily="34" charset="0"/>
+              </a:rPr>
+              <a:t>Exception:</a:t>
+            </a:r>
+          </a:p>
+          <a:p>
+            <a:endParaRPr lang="en-US">
+              <a:latin typeface="Arial" panose="020B0604020202020204" pitchFamily="34" charset="0"/>
+              <a:cs typeface="Arial" panose="020B0604020202020204" pitchFamily="34" charset="0"/>
+            </a:endParaRPr>
+          </a:p>
+          <a:p>
+            <a:endParaRPr lang="en-US">
+              <a:latin typeface="Arial" panose="020B0604020202020204" pitchFamily="34" charset="0"/>
+              <a:cs typeface="Arial" panose="020B0604020202020204" pitchFamily="34" charset="0"/>
+            </a:endParaRPr>
+          </a:p>
+          <a:p>
+            <a:endParaRPr lang="en-US">
+              <a:latin typeface="Arial" panose="020B0604020202020204" pitchFamily="34" charset="0"/>
+              <a:cs typeface="Arial" panose="020B0604020202020204" pitchFamily="34" charset="0"/>
+            </a:endParaRPr>
+          </a:p>
+          <a:p>
+            <a:endParaRPr lang="en-US">
+              <a:latin typeface="Arial" panose="020B0604020202020204" pitchFamily="34" charset="0"/>
+              <a:cs typeface="Arial" panose="020B0604020202020204" pitchFamily="34" charset="0"/>
+            </a:endParaRPr>
+          </a:p>
+          <a:p>
+            <a:endParaRPr lang="en-US">
+              <a:latin typeface="Arial" panose="020B0604020202020204" pitchFamily="34" charset="0"/>
+              <a:cs typeface="Arial" panose="020B0604020202020204" pitchFamily="34" charset="0"/>
+            </a:endParaRPr>
+          </a:p>
+          <a:p>
+            <a:r>
+              <a:rPr lang="en-US">
+                <a:latin typeface="Arial" panose="020B0604020202020204" pitchFamily="34" charset="0"/>
+                <a:cs typeface="Arial" panose="020B0604020202020204" pitchFamily="34" charset="0"/>
+              </a:rPr>
+              <a:t>Tương tự như table user, Spring đang cố lấy thông tin từ table authorities chứ không phải roles.</a:t>
+            </a:r>
+          </a:p>
+        </p:txBody>
+      </p:sp>
+      <p:pic>
+        <p:nvPicPr>
+          <p:cNvPr id="8" name="Picture 7">
+            <a:extLst>
+              <a:ext uri="{FF2B5EF4-FFF2-40B4-BE49-F238E27FC236}">
+                <a16:creationId xmlns:a16="http://schemas.microsoft.com/office/drawing/2014/main" id="{32BABBF1-A61D-CD95-A4CE-833828D30C34}"/>
+              </a:ext>
+            </a:extLst>
+          </p:cNvPr>
+          <p:cNvPicPr>
+            <a:picLocks noChangeAspect="1"/>
+          </p:cNvPicPr>
+          <p:nvPr/>
+        </p:nvPicPr>
+        <p:blipFill>
+          <a:blip r:embed="rId2"/>
+          <a:stretch>
+            <a:fillRect/>
+          </a:stretch>
+        </p:blipFill>
+        <p:spPr>
+          <a:xfrm>
+            <a:off x="677334" y="2548957"/>
+            <a:ext cx="10076033" cy="1175365"/>
+          </a:xfrm>
+          <a:prstGeom prst="rect">
+            <a:avLst/>
+          </a:prstGeom>
+        </p:spPr>
+      </p:pic>
+    </p:spTree>
+    <p:extLst>
+      <p:ext uri="{BB962C8B-B14F-4D97-AF65-F5344CB8AC3E}">
+        <p14:creationId xmlns:p14="http://schemas.microsoft.com/office/powerpoint/2010/main" val="4237658654"/>
+      </p:ext>
+    </p:extLst>
+  </p:cSld>
+  <p:clrMapOvr>
+    <a:masterClrMapping/>
+  </p:clrMapOvr>
+</p:sld>
+</file>
+
+<file path=ppt/slides/slide16.xml><?xml version="1.0" encoding="utf-8"?>
+<p:sld xmlns:a="http://schemas.openxmlformats.org/drawingml/2006/main" xmlns:r="http://schemas.openxmlformats.org/officeDocument/2006/relationships" xmlns:p="http://schemas.openxmlformats.org/presentationml/2006/main">
+  <p:cSld>
+    <p:spTree>
+      <p:nvGrpSpPr>
+        <p:cNvPr id="1" name="">
+          <a:extLst>
+            <a:ext uri="{FF2B5EF4-FFF2-40B4-BE49-F238E27FC236}">
+              <a16:creationId xmlns:a16="http://schemas.microsoft.com/office/drawing/2014/main" id="{0737BDF9-76F8-E396-3963-81B63214649B}"/>
+            </a:ext>
+          </a:extLst>
+        </p:cNvPr>
+        <p:cNvGrpSpPr/>
+        <p:nvPr/>
+      </p:nvGrpSpPr>
+      <p:grpSpPr>
+        <a:xfrm>
+          <a:off x="0" y="0"/>
+          <a:ext cx="0" cy="0"/>
+          <a:chOff x="0" y="0"/>
+          <a:chExt cx="0" cy="0"/>
+        </a:xfrm>
+      </p:grpSpPr>
+      <p:sp>
+        <p:nvSpPr>
+          <p:cNvPr id="2" name="Title 1">
+            <a:extLst>
+              <a:ext uri="{FF2B5EF4-FFF2-40B4-BE49-F238E27FC236}">
+                <a16:creationId xmlns:a16="http://schemas.microsoft.com/office/drawing/2014/main" id="{EF1AF6BD-5105-6069-79CD-0034D77EF2FA}"/>
+              </a:ext>
+            </a:extLst>
+          </p:cNvPr>
+          <p:cNvSpPr>
+            <a:spLocks noGrp="1"/>
+          </p:cNvSpPr>
+          <p:nvPr>
+            <p:ph type="title"/>
+          </p:nvPr>
+        </p:nvSpPr>
+        <p:spPr/>
+        <p:txBody>
+          <a:bodyPr/>
+          <a:lstStyle/>
+          <a:p>
+            <a:r>
+              <a:rPr lang="en-US">
+                <a:latin typeface="Arial" panose="020B0604020202020204" pitchFamily="34" charset="0"/>
+                <a:cs typeface="Arial" panose="020B0604020202020204" pitchFamily="34" charset="0"/>
+              </a:rPr>
+              <a:t>Custom table</a:t>
+            </a:r>
+          </a:p>
+        </p:txBody>
+      </p:sp>
+      <p:sp>
+        <p:nvSpPr>
+          <p:cNvPr id="3" name="Content Placeholder 2">
+            <a:extLst>
+              <a:ext uri="{FF2B5EF4-FFF2-40B4-BE49-F238E27FC236}">
+                <a16:creationId xmlns:a16="http://schemas.microsoft.com/office/drawing/2014/main" id="{A6AEDDE3-FE7C-A4E6-E07B-7B854DFB8CEE}"/>
+              </a:ext>
+            </a:extLst>
+          </p:cNvPr>
+          <p:cNvSpPr>
+            <a:spLocks noGrp="1"/>
+          </p:cNvSpPr>
+          <p:nvPr>
+            <p:ph idx="1"/>
+          </p:nvPr>
+        </p:nvSpPr>
+        <p:spPr/>
+        <p:txBody>
+          <a:bodyPr>
+            <a:normAutofit/>
+          </a:bodyPr>
+          <a:lstStyle/>
+          <a:p>
+            <a:r>
+              <a:rPr lang="en-US">
+                <a:latin typeface="Arial" panose="020B0604020202020204" pitchFamily="34" charset="0"/>
+                <a:cs typeface="Arial" panose="020B0604020202020204" pitchFamily="34" charset="0"/>
+              </a:rPr>
+              <a:t>Override lại câu SQL mặc định của Spring ở đây: </a:t>
+            </a:r>
+          </a:p>
+          <a:p>
+            <a:pPr lvl="1"/>
+            <a:r>
+              <a:rPr lang="en-US">
+                <a:latin typeface="Arial" panose="020B0604020202020204" pitchFamily="34" charset="0"/>
+                <a:cs typeface="Arial" panose="020B0604020202020204" pitchFamily="34" charset="0"/>
+              </a:rPr>
+              <a:t>org.springframework.security.core.userdetails.jdbc.JdbcDaoImpl.JdbcDaoImpl()</a:t>
+            </a:r>
+          </a:p>
+          <a:p>
+            <a:endParaRPr lang="en-US">
+              <a:latin typeface="Arial" panose="020B0604020202020204" pitchFamily="34" charset="0"/>
+              <a:cs typeface="Arial" panose="020B0604020202020204" pitchFamily="34" charset="0"/>
+            </a:endParaRPr>
+          </a:p>
+          <a:p>
+            <a:endParaRPr lang="en-US">
+              <a:latin typeface="Arial" panose="020B0604020202020204" pitchFamily="34" charset="0"/>
+              <a:cs typeface="Arial" panose="020B0604020202020204" pitchFamily="34" charset="0"/>
+            </a:endParaRPr>
+          </a:p>
+          <a:p>
+            <a:endParaRPr lang="en-US">
+              <a:latin typeface="Arial" panose="020B0604020202020204" pitchFamily="34" charset="0"/>
+              <a:cs typeface="Arial" panose="020B0604020202020204" pitchFamily="34" charset="0"/>
+            </a:endParaRPr>
+          </a:p>
+          <a:p>
+            <a:endParaRPr lang="en-US">
+              <a:latin typeface="Arial" panose="020B0604020202020204" pitchFamily="34" charset="0"/>
+              <a:cs typeface="Arial" panose="020B0604020202020204" pitchFamily="34" charset="0"/>
+            </a:endParaRPr>
+          </a:p>
+          <a:p>
+            <a:endParaRPr lang="en-US">
+              <a:latin typeface="Arial" panose="020B0604020202020204" pitchFamily="34" charset="0"/>
+              <a:cs typeface="Arial" panose="020B0604020202020204" pitchFamily="34" charset="0"/>
+            </a:endParaRPr>
+          </a:p>
+          <a:p>
+            <a:r>
+              <a:rPr lang="en-US">
+                <a:latin typeface="Arial" panose="020B0604020202020204" pitchFamily="34" charset="0"/>
+                <a:cs typeface="Arial" panose="020B0604020202020204" pitchFamily="34" charset="0"/>
+              </a:rPr>
+              <a:t>Chạy thử</a:t>
+            </a:r>
+          </a:p>
+        </p:txBody>
+      </p:sp>
+      <p:pic>
+        <p:nvPicPr>
+          <p:cNvPr id="5" name="Picture 4">
+            <a:extLst>
+              <a:ext uri="{FF2B5EF4-FFF2-40B4-BE49-F238E27FC236}">
+                <a16:creationId xmlns:a16="http://schemas.microsoft.com/office/drawing/2014/main" id="{3DFBAAEB-9EF7-E91E-1879-A96247B07083}"/>
+              </a:ext>
+            </a:extLst>
+          </p:cNvPr>
+          <p:cNvPicPr>
+            <a:picLocks noChangeAspect="1"/>
+          </p:cNvPicPr>
+          <p:nvPr/>
+        </p:nvPicPr>
+        <p:blipFill>
+          <a:blip r:embed="rId2"/>
+          <a:stretch>
+            <a:fillRect/>
+          </a:stretch>
+        </p:blipFill>
+        <p:spPr>
+          <a:xfrm>
+            <a:off x="677334" y="2999427"/>
+            <a:ext cx="9265227" cy="1456302"/>
+          </a:xfrm>
+          <a:prstGeom prst="rect">
+            <a:avLst/>
+          </a:prstGeom>
+        </p:spPr>
+      </p:pic>
+    </p:spTree>
+    <p:extLst>
+      <p:ext uri="{BB962C8B-B14F-4D97-AF65-F5344CB8AC3E}">
+        <p14:creationId xmlns:p14="http://schemas.microsoft.com/office/powerpoint/2010/main" val="1882435775"/>
+      </p:ext>
+    </p:extLst>
+  </p:cSld>
+  <p:clrMapOvr>
+    <a:masterClrMapping/>
+  </p:clrMapOvr>
+</p:sld>
+</file>
+
 <file path=ppt/slides/slide2.xml><?xml version="1.0" encoding="utf-8"?>
 <p:sld xmlns:a="http://schemas.openxmlformats.org/drawingml/2006/main" xmlns:r="http://schemas.openxmlformats.org/officeDocument/2006/relationships" xmlns:p="http://schemas.openxmlformats.org/presentationml/2006/main">
   <p:cSld>
@@ -6360,7 +8288,40 @@
                 <a:latin typeface="Arial" panose="020B0604020202020204" pitchFamily="34" charset="0"/>
                 <a:cs typeface="Arial" panose="020B0604020202020204" pitchFamily="34" charset="0"/>
               </a:rPr>
-              <a:t>Mặc định JdbcUserDetailsManager sẽ sử dụng 2 table users và authorities để lưu thông tin</a:t>
+              <a:t>Mặc định JdbcUserDetailsManager sẽ sử dụng 2 table users và authorities để lưu thông tin.</a:t>
+            </a:r>
+          </a:p>
+          <a:p>
+            <a:r>
+              <a:rPr lang="en-US">
+                <a:latin typeface="Arial" panose="020B0604020202020204" pitchFamily="34" charset="0"/>
+                <a:cs typeface="Arial" panose="020B0604020202020204" pitchFamily="34" charset="0"/>
+              </a:rPr>
+              <a:t>Mặc định Spring sẽ tự tạo 2 table trên, tuy nhiên sẽ có trường hợp không tự tạo bởi vì DB không support kiểu varchar_ignorecase.</a:t>
+            </a:r>
+          </a:p>
+          <a:p>
+            <a:r>
+              <a:rPr lang="en-US">
+                <a:latin typeface="Arial" panose="020B0604020202020204" pitchFamily="34" charset="0"/>
+                <a:cs typeface="Arial" panose="020B0604020202020204" pitchFamily="34" charset="0"/>
+              </a:rPr>
+              <a:t>Những trường hợp này mọi người phải tự tạo bằng tay nhé</a:t>
+            </a:r>
+          </a:p>
+          <a:p>
+            <a:endParaRPr lang="en-US">
+              <a:latin typeface="Arial" panose="020B0604020202020204" pitchFamily="34" charset="0"/>
+              <a:cs typeface="Arial" panose="020B0604020202020204" pitchFamily="34" charset="0"/>
+            </a:endParaRPr>
+          </a:p>
+          <a:p>
+            <a:r>
+              <a:rPr lang="en-US">
+                <a:latin typeface="Arial" panose="020B0604020202020204" pitchFamily="34" charset="0"/>
+                <a:cs typeface="Arial" panose="020B0604020202020204" pitchFamily="34" charset="0"/>
+              </a:rPr>
+              <a:t>Refer dll tạo table ở dưới:</a:t>
             </a:r>
           </a:p>
           <a:p>
@@ -6669,7 +8630,7 @@
                 <a:latin typeface="Arial" panose="020B0604020202020204" pitchFamily="34" charset="0"/>
                 <a:cs typeface="Arial" panose="020B0604020202020204" pitchFamily="34" charset="0"/>
               </a:rPr>
-              <a:t>Tương tự khi mapping role với các endpoint</a:t>
+              <a:t>Tương tự khi mapping role với các endpoint cũng sẽ thêm ROLE_ vào rồi thực hiện so sánh</a:t>
             </a:r>
           </a:p>
           <a:p>
@@ -6726,7 +8687,7 @@
         </p:blipFill>
         <p:spPr>
           <a:xfrm>
-            <a:off x="677334" y="2690947"/>
+            <a:off x="677334" y="2989886"/>
             <a:ext cx="6876528" cy="1886654"/>
           </a:xfrm>
           <a:prstGeom prst="rect">
@@ -6784,7 +8745,7 @@
                 <a:latin typeface="Arial" panose="020B0604020202020204" pitchFamily="34" charset="0"/>
                 <a:cs typeface="Arial" panose="020B0604020202020204" pitchFamily="34" charset="0"/>
               </a:rPr>
-              <a:t>Basic Configuration</a:t>
+              <a:t>Custom table</a:t>
             </a:r>
           </a:p>
         </p:txBody>
@@ -6811,22 +8772,1014 @@
                 <a:latin typeface="Arial" panose="020B0604020202020204" pitchFamily="34" charset="0"/>
                 <a:cs typeface="Arial" panose="020B0604020202020204" pitchFamily="34" charset="0"/>
               </a:rPr>
-              <a:t>Xong, chạy thử thôi ^^</a:t>
+              <a:t>Ta hoàn toàn có thể sử dụng table khác để lưu thông tin user thay vì sử dụng mặc định Spring</a:t>
+            </a:r>
+          </a:p>
+          <a:p>
+            <a:r>
+              <a:rPr lang="en-US">
+                <a:latin typeface="Arial" panose="020B0604020202020204" pitchFamily="34" charset="0"/>
+                <a:cs typeface="Arial" panose="020B0604020202020204" pitchFamily="34" charset="0"/>
+              </a:rPr>
+              <a:t>Ví dụ:</a:t>
             </a:r>
           </a:p>
           <a:p>
             <a:pPr lvl="1"/>
+            <a:r>
+              <a:rPr lang="en-US">
+                <a:latin typeface="Arial" panose="020B0604020202020204" pitchFamily="34" charset="0"/>
+                <a:cs typeface="Arial" panose="020B0604020202020204" pitchFamily="34" charset="0"/>
+              </a:rPr>
+              <a:t>Table lưu thông tin authentication là “member”</a:t>
+            </a:r>
+          </a:p>
+          <a:p>
+            <a:pPr lvl="1"/>
+            <a:r>
+              <a:rPr lang="en-US">
+                <a:latin typeface="Arial" panose="020B0604020202020204" pitchFamily="34" charset="0"/>
+                <a:cs typeface="Arial" panose="020B0604020202020204" pitchFamily="34" charset="0"/>
+              </a:rPr>
+              <a:t>Table lưu thông tin authorization là “role”</a:t>
+            </a:r>
+          </a:p>
+          <a:p>
             <a:endParaRPr lang="en-US">
               <a:latin typeface="Arial" panose="020B0604020202020204" pitchFamily="34" charset="0"/>
               <a:cs typeface="Arial" panose="020B0604020202020204" pitchFamily="34" charset="0"/>
             </a:endParaRPr>
           </a:p>
+          <a:p>
+            <a:endParaRPr lang="en-US">
+              <a:latin typeface="Arial" panose="020B0604020202020204" pitchFamily="34" charset="0"/>
+              <a:cs typeface="Arial" panose="020B0604020202020204" pitchFamily="34" charset="0"/>
+            </a:endParaRPr>
+          </a:p>
+          <a:p>
+            <a:endParaRPr lang="en-US">
+              <a:latin typeface="Arial" panose="020B0604020202020204" pitchFamily="34" charset="0"/>
+              <a:cs typeface="Arial" panose="020B0604020202020204" pitchFamily="34" charset="0"/>
+            </a:endParaRPr>
+          </a:p>
+          <a:p>
+            <a:endParaRPr lang="en-US">
+              <a:latin typeface="Arial" panose="020B0604020202020204" pitchFamily="34" charset="0"/>
+              <a:cs typeface="Arial" panose="020B0604020202020204" pitchFamily="34" charset="0"/>
+            </a:endParaRPr>
+          </a:p>
+          <a:p>
+            <a:endParaRPr lang="en-US">
+              <a:latin typeface="Arial" panose="020B0604020202020204" pitchFamily="34" charset="0"/>
+              <a:cs typeface="Arial" panose="020B0604020202020204" pitchFamily="34" charset="0"/>
+            </a:endParaRPr>
+          </a:p>
         </p:txBody>
       </p:sp>
     </p:spTree>
     <p:extLst>
       <p:ext uri="{BB962C8B-B14F-4D97-AF65-F5344CB8AC3E}">
-        <p14:creationId xmlns:p14="http://schemas.microsoft.com/office/powerpoint/2010/main" val="2594722664"/>
+        <p14:creationId xmlns:p14="http://schemas.microsoft.com/office/powerpoint/2010/main" val="329583829"/>
+      </p:ext>
+    </p:extLst>
+  </p:cSld>
+  <p:clrMapOvr>
+    <a:masterClrMapping/>
+  </p:clrMapOvr>
+</p:sld>
+</file>
+
+<file path=ppt/slides/slide9.xml><?xml version="1.0" encoding="utf-8"?>
+<p:sld xmlns:a="http://schemas.openxmlformats.org/drawingml/2006/main" xmlns:r="http://schemas.openxmlformats.org/officeDocument/2006/relationships" xmlns:p="http://schemas.openxmlformats.org/presentationml/2006/main">
+  <p:cSld>
+    <p:spTree>
+      <p:nvGrpSpPr>
+        <p:cNvPr id="1" name="">
+          <a:extLst>
+            <a:ext uri="{FF2B5EF4-FFF2-40B4-BE49-F238E27FC236}">
+              <a16:creationId xmlns:a16="http://schemas.microsoft.com/office/drawing/2014/main" id="{29341123-A98E-EBD6-9CDB-30A5D11E267E}"/>
+            </a:ext>
+          </a:extLst>
+        </p:cNvPr>
+        <p:cNvGrpSpPr/>
+        <p:nvPr/>
+      </p:nvGrpSpPr>
+      <p:grpSpPr>
+        <a:xfrm>
+          <a:off x="0" y="0"/>
+          <a:ext cx="0" cy="0"/>
+          <a:chOff x="0" y="0"/>
+          <a:chExt cx="0" cy="0"/>
+        </a:xfrm>
+      </p:grpSpPr>
+      <p:sp>
+        <p:nvSpPr>
+          <p:cNvPr id="2" name="Title 1">
+            <a:extLst>
+              <a:ext uri="{FF2B5EF4-FFF2-40B4-BE49-F238E27FC236}">
+                <a16:creationId xmlns:a16="http://schemas.microsoft.com/office/drawing/2014/main" id="{3BD06821-69B9-E7AD-5F57-5D0294382585}"/>
+              </a:ext>
+            </a:extLst>
+          </p:cNvPr>
+          <p:cNvSpPr>
+            <a:spLocks noGrp="1"/>
+          </p:cNvSpPr>
+          <p:nvPr>
+            <p:ph type="title"/>
+          </p:nvPr>
+        </p:nvSpPr>
+        <p:spPr/>
+        <p:txBody>
+          <a:bodyPr/>
+          <a:lstStyle/>
+          <a:p>
+            <a:r>
+              <a:rPr lang="en-US">
+                <a:latin typeface="Arial" panose="020B0604020202020204" pitchFamily="34" charset="0"/>
+                <a:cs typeface="Arial" panose="020B0604020202020204" pitchFamily="34" charset="0"/>
+              </a:rPr>
+              <a:t>Custom table</a:t>
+            </a:r>
+          </a:p>
+        </p:txBody>
+      </p:sp>
+      <p:sp>
+        <p:nvSpPr>
+          <p:cNvPr id="7" name="TextBox 6">
+            <a:extLst>
+              <a:ext uri="{FF2B5EF4-FFF2-40B4-BE49-F238E27FC236}">
+                <a16:creationId xmlns:a16="http://schemas.microsoft.com/office/drawing/2014/main" id="{973DB941-8062-1167-278C-A174E39475EA}"/>
+              </a:ext>
+            </a:extLst>
+          </p:cNvPr>
+          <p:cNvSpPr txBox="1"/>
+          <p:nvPr/>
+        </p:nvSpPr>
+        <p:spPr>
+          <a:xfrm>
+            <a:off x="677334" y="1930400"/>
+            <a:ext cx="6099110" cy="3600986"/>
+          </a:xfrm>
+          <a:prstGeom prst="rect">
+            <a:avLst/>
+          </a:prstGeom>
+          <a:solidFill>
+            <a:schemeClr val="tx1"/>
+          </a:solidFill>
+        </p:spPr>
+        <p:txBody>
+          <a:bodyPr wrap="square">
+            <a:spAutoFit/>
+          </a:bodyPr>
+          <a:lstStyle/>
+          <a:p>
+            <a:pPr marL="0" marR="0">
+              <a:spcBef>
+                <a:spcPts val="0"/>
+              </a:spcBef>
+              <a:spcAft>
+                <a:spcPts val="0"/>
+              </a:spcAft>
+            </a:pPr>
+            <a:r>
+              <a:rPr lang="en-US" sz="1200">
+                <a:solidFill>
+                  <a:srgbClr val="000080"/>
+                </a:solidFill>
+                <a:effectLst/>
+                <a:latin typeface="JetBrains Mono" panose="02000009000000000000" pitchFamily="49" charset="0"/>
+              </a:rPr>
+              <a:t>DROP</a:t>
+            </a:r>
+            <a:r>
+              <a:rPr lang="en-US" sz="1200">
+                <a:solidFill>
+                  <a:srgbClr val="000000"/>
+                </a:solidFill>
+                <a:effectLst/>
+                <a:latin typeface="JetBrains Mono" panose="02000009000000000000" pitchFamily="49" charset="0"/>
+              </a:rPr>
+              <a:t> </a:t>
+            </a:r>
+            <a:r>
+              <a:rPr lang="en-US" sz="1200">
+                <a:solidFill>
+                  <a:srgbClr val="000080"/>
+                </a:solidFill>
+                <a:effectLst/>
+                <a:latin typeface="JetBrains Mono" panose="02000009000000000000" pitchFamily="49" charset="0"/>
+              </a:rPr>
+              <a:t>TABLE</a:t>
+            </a:r>
+            <a:r>
+              <a:rPr lang="en-US" sz="1200">
+                <a:solidFill>
+                  <a:srgbClr val="000000"/>
+                </a:solidFill>
+                <a:effectLst/>
+                <a:latin typeface="JetBrains Mono" panose="02000009000000000000" pitchFamily="49" charset="0"/>
+              </a:rPr>
+              <a:t> IF </a:t>
+            </a:r>
+            <a:r>
+              <a:rPr lang="en-US" sz="1200">
+                <a:solidFill>
+                  <a:srgbClr val="000080"/>
+                </a:solidFill>
+                <a:effectLst/>
+                <a:latin typeface="JetBrains Mono" panose="02000009000000000000" pitchFamily="49" charset="0"/>
+              </a:rPr>
+              <a:t>EXISTS</a:t>
+            </a:r>
+            <a:r>
+              <a:rPr lang="en-US" sz="1200">
+                <a:solidFill>
+                  <a:srgbClr val="000000"/>
+                </a:solidFill>
+                <a:effectLst/>
+                <a:latin typeface="JetBrains Mono" panose="02000009000000000000" pitchFamily="49" charset="0"/>
+              </a:rPr>
+              <a:t> `roles`;</a:t>
+            </a:r>
+          </a:p>
+          <a:p>
+            <a:pPr marL="0" marR="0">
+              <a:spcBef>
+                <a:spcPts val="0"/>
+              </a:spcBef>
+              <a:spcAft>
+                <a:spcPts val="0"/>
+              </a:spcAft>
+            </a:pPr>
+            <a:r>
+              <a:rPr lang="en-US" sz="1200">
+                <a:solidFill>
+                  <a:srgbClr val="000080"/>
+                </a:solidFill>
+                <a:effectLst/>
+                <a:latin typeface="JetBrains Mono" panose="02000009000000000000" pitchFamily="49" charset="0"/>
+              </a:rPr>
+              <a:t>DROP</a:t>
+            </a:r>
+            <a:r>
+              <a:rPr lang="en-US" sz="1200">
+                <a:solidFill>
+                  <a:srgbClr val="000000"/>
+                </a:solidFill>
+                <a:effectLst/>
+                <a:latin typeface="JetBrains Mono" panose="02000009000000000000" pitchFamily="49" charset="0"/>
+              </a:rPr>
+              <a:t> </a:t>
+            </a:r>
+            <a:r>
+              <a:rPr lang="en-US" sz="1200">
+                <a:solidFill>
+                  <a:srgbClr val="000080"/>
+                </a:solidFill>
+                <a:effectLst/>
+                <a:latin typeface="JetBrains Mono" panose="02000009000000000000" pitchFamily="49" charset="0"/>
+              </a:rPr>
+              <a:t>TABLE</a:t>
+            </a:r>
+            <a:r>
+              <a:rPr lang="en-US" sz="1200">
+                <a:solidFill>
+                  <a:srgbClr val="000000"/>
+                </a:solidFill>
+                <a:effectLst/>
+                <a:latin typeface="JetBrains Mono" panose="02000009000000000000" pitchFamily="49" charset="0"/>
+              </a:rPr>
+              <a:t> IF </a:t>
+            </a:r>
+            <a:r>
+              <a:rPr lang="en-US" sz="1200">
+                <a:solidFill>
+                  <a:srgbClr val="000080"/>
+                </a:solidFill>
+                <a:effectLst/>
+                <a:latin typeface="JetBrains Mono" panose="02000009000000000000" pitchFamily="49" charset="0"/>
+              </a:rPr>
+              <a:t>EXISTS</a:t>
+            </a:r>
+            <a:r>
+              <a:rPr lang="en-US" sz="1200">
+                <a:solidFill>
+                  <a:srgbClr val="000000"/>
+                </a:solidFill>
+                <a:effectLst/>
+                <a:latin typeface="JetBrains Mono" panose="02000009000000000000" pitchFamily="49" charset="0"/>
+              </a:rPr>
+              <a:t> `members`;</a:t>
+            </a:r>
+          </a:p>
+          <a:p>
+            <a:pPr marL="0" marR="0">
+              <a:spcBef>
+                <a:spcPts val="0"/>
+              </a:spcBef>
+              <a:spcAft>
+                <a:spcPts val="0"/>
+              </a:spcAft>
+            </a:pPr>
+            <a:br>
+              <a:rPr lang="en-US" sz="1200">
+                <a:solidFill>
+                  <a:srgbClr val="000000"/>
+                </a:solidFill>
+                <a:effectLst/>
+                <a:latin typeface="JetBrains Mono" panose="02000009000000000000" pitchFamily="49" charset="0"/>
+              </a:rPr>
+            </a:br>
+            <a:endParaRPr lang="en-US" sz="1200">
+              <a:solidFill>
+                <a:srgbClr val="000000"/>
+              </a:solidFill>
+              <a:effectLst/>
+              <a:latin typeface="JetBrains Mono" panose="02000009000000000000" pitchFamily="49" charset="0"/>
+            </a:endParaRPr>
+          </a:p>
+          <a:p>
+            <a:pPr marL="0" marR="0">
+              <a:spcBef>
+                <a:spcPts val="0"/>
+              </a:spcBef>
+              <a:spcAft>
+                <a:spcPts val="0"/>
+              </a:spcAft>
+            </a:pPr>
+            <a:r>
+              <a:rPr lang="en-US" sz="1200">
+                <a:solidFill>
+                  <a:srgbClr val="000080"/>
+                </a:solidFill>
+                <a:effectLst/>
+                <a:latin typeface="JetBrains Mono" panose="02000009000000000000" pitchFamily="49" charset="0"/>
+              </a:rPr>
+              <a:t>CREATE</a:t>
+            </a:r>
+            <a:r>
+              <a:rPr lang="en-US" sz="1200">
+                <a:solidFill>
+                  <a:srgbClr val="000000"/>
+                </a:solidFill>
+                <a:effectLst/>
+                <a:latin typeface="JetBrains Mono" panose="02000009000000000000" pitchFamily="49" charset="0"/>
+              </a:rPr>
+              <a:t> </a:t>
+            </a:r>
+            <a:r>
+              <a:rPr lang="en-US" sz="1200">
+                <a:solidFill>
+                  <a:srgbClr val="000080"/>
+                </a:solidFill>
+                <a:effectLst/>
+                <a:latin typeface="JetBrains Mono" panose="02000009000000000000" pitchFamily="49" charset="0"/>
+              </a:rPr>
+              <a:t>TABLE</a:t>
+            </a:r>
+            <a:r>
+              <a:rPr lang="en-US" sz="1200">
+                <a:solidFill>
+                  <a:srgbClr val="000000"/>
+                </a:solidFill>
+                <a:effectLst/>
+                <a:latin typeface="JetBrains Mono" panose="02000009000000000000" pitchFamily="49" charset="0"/>
+              </a:rPr>
+              <a:t> `members` (</a:t>
+            </a:r>
+          </a:p>
+          <a:p>
+            <a:pPr marL="0" marR="0">
+              <a:spcBef>
+                <a:spcPts val="0"/>
+              </a:spcBef>
+              <a:spcAft>
+                <a:spcPts val="0"/>
+              </a:spcAft>
+            </a:pPr>
+            <a:r>
+              <a:rPr lang="en-US" sz="1200">
+                <a:solidFill>
+                  <a:srgbClr val="000000"/>
+                </a:solidFill>
+                <a:effectLst/>
+                <a:latin typeface="JetBrains Mono" panose="02000009000000000000" pitchFamily="49" charset="0"/>
+              </a:rPr>
+              <a:t>`username` </a:t>
+            </a:r>
+            <a:r>
+              <a:rPr lang="en-US" sz="1200">
+                <a:solidFill>
+                  <a:srgbClr val="000080"/>
+                </a:solidFill>
+                <a:effectLst/>
+                <a:latin typeface="JetBrains Mono" panose="02000009000000000000" pitchFamily="49" charset="0"/>
+              </a:rPr>
+              <a:t>varchar</a:t>
+            </a:r>
+            <a:r>
+              <a:rPr lang="en-US" sz="1200">
+                <a:solidFill>
+                  <a:srgbClr val="000000"/>
+                </a:solidFill>
+                <a:effectLst/>
+                <a:latin typeface="JetBrains Mono" panose="02000009000000000000" pitchFamily="49" charset="0"/>
+              </a:rPr>
+              <a:t>(50) </a:t>
+            </a:r>
+            <a:r>
+              <a:rPr lang="en-US" sz="1200">
+                <a:solidFill>
+                  <a:srgbClr val="000080"/>
+                </a:solidFill>
+                <a:effectLst/>
+                <a:latin typeface="JetBrains Mono" panose="02000009000000000000" pitchFamily="49" charset="0"/>
+              </a:rPr>
+              <a:t>NOT</a:t>
+            </a:r>
+            <a:r>
+              <a:rPr lang="en-US" sz="1200">
+                <a:solidFill>
+                  <a:srgbClr val="000000"/>
+                </a:solidFill>
+                <a:effectLst/>
+                <a:latin typeface="JetBrains Mono" panose="02000009000000000000" pitchFamily="49" charset="0"/>
+              </a:rPr>
+              <a:t> NULL,</a:t>
+            </a:r>
+          </a:p>
+          <a:p>
+            <a:pPr marL="0" marR="0">
+              <a:spcBef>
+                <a:spcPts val="0"/>
+              </a:spcBef>
+              <a:spcAft>
+                <a:spcPts val="0"/>
+              </a:spcAft>
+            </a:pPr>
+            <a:r>
+              <a:rPr lang="en-US" sz="1200">
+                <a:solidFill>
+                  <a:srgbClr val="000000"/>
+                </a:solidFill>
+                <a:effectLst/>
+                <a:latin typeface="JetBrains Mono" panose="02000009000000000000" pitchFamily="49" charset="0"/>
+              </a:rPr>
+              <a:t>`password` </a:t>
+            </a:r>
+            <a:r>
+              <a:rPr lang="en-US" sz="1200">
+                <a:solidFill>
+                  <a:srgbClr val="000080"/>
+                </a:solidFill>
+                <a:effectLst/>
+                <a:latin typeface="JetBrains Mono" panose="02000009000000000000" pitchFamily="49" charset="0"/>
+              </a:rPr>
+              <a:t>char</a:t>
+            </a:r>
+            <a:r>
+              <a:rPr lang="en-US" sz="1200">
+                <a:solidFill>
+                  <a:srgbClr val="000000"/>
+                </a:solidFill>
+                <a:effectLst/>
+                <a:latin typeface="JetBrains Mono" panose="02000009000000000000" pitchFamily="49" charset="0"/>
+              </a:rPr>
+              <a:t>(100) </a:t>
+            </a:r>
+            <a:r>
+              <a:rPr lang="en-US" sz="1200">
+                <a:solidFill>
+                  <a:srgbClr val="000080"/>
+                </a:solidFill>
+                <a:effectLst/>
+                <a:latin typeface="JetBrains Mono" panose="02000009000000000000" pitchFamily="49" charset="0"/>
+              </a:rPr>
+              <a:t>NOT</a:t>
+            </a:r>
+            <a:r>
+              <a:rPr lang="en-US" sz="1200">
+                <a:solidFill>
+                  <a:srgbClr val="000000"/>
+                </a:solidFill>
+                <a:effectLst/>
+                <a:latin typeface="JetBrains Mono" panose="02000009000000000000" pitchFamily="49" charset="0"/>
+              </a:rPr>
+              <a:t> NULL,</a:t>
+            </a:r>
+          </a:p>
+          <a:p>
+            <a:pPr marL="0" marR="0">
+              <a:spcBef>
+                <a:spcPts val="0"/>
+              </a:spcBef>
+              <a:spcAft>
+                <a:spcPts val="0"/>
+              </a:spcAft>
+            </a:pPr>
+            <a:r>
+              <a:rPr lang="en-US" sz="1200">
+                <a:solidFill>
+                  <a:srgbClr val="000000"/>
+                </a:solidFill>
+                <a:effectLst/>
+                <a:latin typeface="JetBrains Mono" panose="02000009000000000000" pitchFamily="49" charset="0"/>
+              </a:rPr>
+              <a:t>`active` tinyint </a:t>
+            </a:r>
+            <a:r>
+              <a:rPr lang="en-US" sz="1200">
+                <a:solidFill>
+                  <a:srgbClr val="000080"/>
+                </a:solidFill>
+                <a:effectLst/>
+                <a:latin typeface="JetBrains Mono" panose="02000009000000000000" pitchFamily="49" charset="0"/>
+              </a:rPr>
+              <a:t>NOT</a:t>
+            </a:r>
+            <a:r>
+              <a:rPr lang="en-US" sz="1200">
+                <a:solidFill>
+                  <a:srgbClr val="000000"/>
+                </a:solidFill>
+                <a:effectLst/>
+                <a:latin typeface="JetBrains Mono" panose="02000009000000000000" pitchFamily="49" charset="0"/>
+              </a:rPr>
+              <a:t> NULL,</a:t>
+            </a:r>
+          </a:p>
+          <a:p>
+            <a:pPr marL="0" marR="0">
+              <a:spcBef>
+                <a:spcPts val="0"/>
+              </a:spcBef>
+              <a:spcAft>
+                <a:spcPts val="0"/>
+              </a:spcAft>
+            </a:pPr>
+            <a:r>
+              <a:rPr lang="en-US" sz="1200">
+                <a:solidFill>
+                  <a:srgbClr val="000080"/>
+                </a:solidFill>
+                <a:effectLst/>
+                <a:latin typeface="JetBrains Mono" panose="02000009000000000000" pitchFamily="49" charset="0"/>
+              </a:rPr>
+              <a:t>PRIMARY</a:t>
+            </a:r>
+            <a:r>
+              <a:rPr lang="en-US" sz="1200">
+                <a:solidFill>
+                  <a:srgbClr val="000000"/>
+                </a:solidFill>
+                <a:effectLst/>
+                <a:latin typeface="JetBrains Mono" panose="02000009000000000000" pitchFamily="49" charset="0"/>
+              </a:rPr>
+              <a:t> </a:t>
+            </a:r>
+            <a:r>
+              <a:rPr lang="en-US" sz="1200">
+                <a:solidFill>
+                  <a:srgbClr val="000080"/>
+                </a:solidFill>
+                <a:effectLst/>
+                <a:latin typeface="JetBrains Mono" panose="02000009000000000000" pitchFamily="49" charset="0"/>
+              </a:rPr>
+              <a:t>KEY</a:t>
+            </a:r>
+            <a:r>
+              <a:rPr lang="en-US" sz="1200">
+                <a:solidFill>
+                  <a:srgbClr val="000000"/>
+                </a:solidFill>
+                <a:effectLst/>
+                <a:latin typeface="JetBrains Mono" panose="02000009000000000000" pitchFamily="49" charset="0"/>
+              </a:rPr>
+              <a:t> (`username`)</a:t>
+            </a:r>
+          </a:p>
+          <a:p>
+            <a:pPr marL="0" marR="0">
+              <a:spcBef>
+                <a:spcPts val="0"/>
+              </a:spcBef>
+              <a:spcAft>
+                <a:spcPts val="0"/>
+              </a:spcAft>
+            </a:pPr>
+            <a:r>
+              <a:rPr lang="en-US" sz="1200">
+                <a:solidFill>
+                  <a:srgbClr val="000000"/>
+                </a:solidFill>
+                <a:effectLst/>
+                <a:latin typeface="JetBrains Mono" panose="02000009000000000000" pitchFamily="49" charset="0"/>
+              </a:rPr>
+              <a:t>) ENGINE=InnoDB </a:t>
+            </a:r>
+            <a:r>
+              <a:rPr lang="en-US" sz="1200">
+                <a:solidFill>
+                  <a:srgbClr val="000080"/>
+                </a:solidFill>
+                <a:effectLst/>
+                <a:latin typeface="JetBrains Mono" panose="02000009000000000000" pitchFamily="49" charset="0"/>
+              </a:rPr>
+              <a:t>DEFAULT</a:t>
+            </a:r>
+            <a:r>
+              <a:rPr lang="en-US" sz="1200">
+                <a:solidFill>
+                  <a:srgbClr val="000000"/>
+                </a:solidFill>
+                <a:effectLst/>
+                <a:latin typeface="JetBrains Mono" panose="02000009000000000000" pitchFamily="49" charset="0"/>
+              </a:rPr>
+              <a:t> CHARSET=utf8mb3;</a:t>
+            </a:r>
+          </a:p>
+          <a:p>
+            <a:pPr marL="0" marR="0">
+              <a:spcBef>
+                <a:spcPts val="0"/>
+              </a:spcBef>
+              <a:spcAft>
+                <a:spcPts val="0"/>
+              </a:spcAft>
+            </a:pPr>
+            <a:br>
+              <a:rPr lang="en-US" sz="1200">
+                <a:solidFill>
+                  <a:srgbClr val="000000"/>
+                </a:solidFill>
+                <a:effectLst/>
+                <a:latin typeface="JetBrains Mono" panose="02000009000000000000" pitchFamily="49" charset="0"/>
+              </a:rPr>
+            </a:br>
+            <a:endParaRPr lang="en-US" sz="1200">
+              <a:solidFill>
+                <a:srgbClr val="000000"/>
+              </a:solidFill>
+              <a:effectLst/>
+              <a:latin typeface="JetBrains Mono" panose="02000009000000000000" pitchFamily="49" charset="0"/>
+            </a:endParaRPr>
+          </a:p>
+          <a:p>
+            <a:pPr marL="0" marR="0">
+              <a:spcBef>
+                <a:spcPts val="0"/>
+              </a:spcBef>
+              <a:spcAft>
+                <a:spcPts val="0"/>
+              </a:spcAft>
+            </a:pPr>
+            <a:r>
+              <a:rPr lang="en-US" sz="1200">
+                <a:solidFill>
+                  <a:srgbClr val="000080"/>
+                </a:solidFill>
+                <a:effectLst/>
+                <a:latin typeface="JetBrains Mono" panose="02000009000000000000" pitchFamily="49" charset="0"/>
+              </a:rPr>
+              <a:t>CREATE</a:t>
+            </a:r>
+            <a:r>
+              <a:rPr lang="en-US" sz="1200">
+                <a:solidFill>
+                  <a:srgbClr val="000000"/>
+                </a:solidFill>
+                <a:effectLst/>
+                <a:latin typeface="JetBrains Mono" panose="02000009000000000000" pitchFamily="49" charset="0"/>
+              </a:rPr>
+              <a:t> </a:t>
+            </a:r>
+            <a:r>
+              <a:rPr lang="en-US" sz="1200">
+                <a:solidFill>
+                  <a:srgbClr val="000080"/>
+                </a:solidFill>
+                <a:effectLst/>
+                <a:latin typeface="JetBrains Mono" panose="02000009000000000000" pitchFamily="49" charset="0"/>
+              </a:rPr>
+              <a:t>TABLE</a:t>
+            </a:r>
+            <a:r>
+              <a:rPr lang="en-US" sz="1200">
+                <a:solidFill>
+                  <a:srgbClr val="000000"/>
+                </a:solidFill>
+                <a:effectLst/>
+                <a:latin typeface="JetBrains Mono" panose="02000009000000000000" pitchFamily="49" charset="0"/>
+              </a:rPr>
+              <a:t> `roles` (</a:t>
+            </a:r>
+          </a:p>
+          <a:p>
+            <a:pPr marL="0" marR="0">
+              <a:spcBef>
+                <a:spcPts val="0"/>
+              </a:spcBef>
+              <a:spcAft>
+                <a:spcPts val="0"/>
+              </a:spcAft>
+            </a:pPr>
+            <a:r>
+              <a:rPr lang="en-US" sz="1200">
+                <a:solidFill>
+                  <a:srgbClr val="000000"/>
+                </a:solidFill>
+                <a:effectLst/>
+                <a:latin typeface="JetBrains Mono" panose="02000009000000000000" pitchFamily="49" charset="0"/>
+              </a:rPr>
+              <a:t>`username` </a:t>
+            </a:r>
+            <a:r>
+              <a:rPr lang="en-US" sz="1200">
+                <a:solidFill>
+                  <a:srgbClr val="000080"/>
+                </a:solidFill>
+                <a:effectLst/>
+                <a:latin typeface="JetBrains Mono" panose="02000009000000000000" pitchFamily="49" charset="0"/>
+              </a:rPr>
+              <a:t>varchar</a:t>
+            </a:r>
+            <a:r>
+              <a:rPr lang="en-US" sz="1200">
+                <a:solidFill>
+                  <a:srgbClr val="000000"/>
+                </a:solidFill>
+                <a:effectLst/>
+                <a:latin typeface="JetBrains Mono" panose="02000009000000000000" pitchFamily="49" charset="0"/>
+              </a:rPr>
+              <a:t>(50) </a:t>
+            </a:r>
+            <a:r>
+              <a:rPr lang="en-US" sz="1200">
+                <a:solidFill>
+                  <a:srgbClr val="000080"/>
+                </a:solidFill>
+                <a:effectLst/>
+                <a:latin typeface="JetBrains Mono" panose="02000009000000000000" pitchFamily="49" charset="0"/>
+              </a:rPr>
+              <a:t>NOT</a:t>
+            </a:r>
+            <a:r>
+              <a:rPr lang="en-US" sz="1200">
+                <a:solidFill>
+                  <a:srgbClr val="000000"/>
+                </a:solidFill>
+                <a:effectLst/>
+                <a:latin typeface="JetBrains Mono" panose="02000009000000000000" pitchFamily="49" charset="0"/>
+              </a:rPr>
+              <a:t> NULL,</a:t>
+            </a:r>
+          </a:p>
+          <a:p>
+            <a:pPr marL="0" marR="0">
+              <a:spcBef>
+                <a:spcPts val="0"/>
+              </a:spcBef>
+              <a:spcAft>
+                <a:spcPts val="0"/>
+              </a:spcAft>
+            </a:pPr>
+            <a:r>
+              <a:rPr lang="en-US" sz="1200">
+                <a:solidFill>
+                  <a:srgbClr val="000000"/>
+                </a:solidFill>
+                <a:effectLst/>
+                <a:latin typeface="JetBrains Mono" panose="02000009000000000000" pitchFamily="49" charset="0"/>
+              </a:rPr>
+              <a:t>`role` </a:t>
+            </a:r>
+            <a:r>
+              <a:rPr lang="en-US" sz="1200">
+                <a:solidFill>
+                  <a:srgbClr val="000080"/>
+                </a:solidFill>
+                <a:effectLst/>
+                <a:latin typeface="JetBrains Mono" panose="02000009000000000000" pitchFamily="49" charset="0"/>
+              </a:rPr>
+              <a:t>varchar</a:t>
+            </a:r>
+            <a:r>
+              <a:rPr lang="en-US" sz="1200">
+                <a:solidFill>
+                  <a:srgbClr val="000000"/>
+                </a:solidFill>
+                <a:effectLst/>
+                <a:latin typeface="JetBrains Mono" panose="02000009000000000000" pitchFamily="49" charset="0"/>
+              </a:rPr>
+              <a:t>(50) </a:t>
+            </a:r>
+            <a:r>
+              <a:rPr lang="en-US" sz="1200">
+                <a:solidFill>
+                  <a:srgbClr val="000080"/>
+                </a:solidFill>
+                <a:effectLst/>
+                <a:latin typeface="JetBrains Mono" panose="02000009000000000000" pitchFamily="49" charset="0"/>
+              </a:rPr>
+              <a:t>NOT</a:t>
+            </a:r>
+            <a:r>
+              <a:rPr lang="en-US" sz="1200">
+                <a:solidFill>
+                  <a:srgbClr val="000000"/>
+                </a:solidFill>
+                <a:effectLst/>
+                <a:latin typeface="JetBrains Mono" panose="02000009000000000000" pitchFamily="49" charset="0"/>
+              </a:rPr>
+              <a:t> NULL,</a:t>
+            </a:r>
+          </a:p>
+          <a:p>
+            <a:pPr marL="0" marR="0">
+              <a:spcBef>
+                <a:spcPts val="0"/>
+              </a:spcBef>
+              <a:spcAft>
+                <a:spcPts val="0"/>
+              </a:spcAft>
+            </a:pPr>
+            <a:r>
+              <a:rPr lang="en-US" sz="1200">
+                <a:solidFill>
+                  <a:srgbClr val="000080"/>
+                </a:solidFill>
+                <a:effectLst/>
+                <a:latin typeface="JetBrains Mono" panose="02000009000000000000" pitchFamily="49" charset="0"/>
+              </a:rPr>
+              <a:t>UNIQUE</a:t>
+            </a:r>
+            <a:r>
+              <a:rPr lang="en-US" sz="1200">
+                <a:solidFill>
+                  <a:srgbClr val="000000"/>
+                </a:solidFill>
+                <a:effectLst/>
+                <a:latin typeface="JetBrains Mono" panose="02000009000000000000" pitchFamily="49" charset="0"/>
+              </a:rPr>
+              <a:t> </a:t>
+            </a:r>
+            <a:r>
+              <a:rPr lang="en-US" sz="1200">
+                <a:solidFill>
+                  <a:srgbClr val="000080"/>
+                </a:solidFill>
+                <a:effectLst/>
+                <a:latin typeface="JetBrains Mono" panose="02000009000000000000" pitchFamily="49" charset="0"/>
+              </a:rPr>
+              <a:t>KEY</a:t>
+            </a:r>
+            <a:r>
+              <a:rPr lang="en-US" sz="1200">
+                <a:solidFill>
+                  <a:srgbClr val="000000"/>
+                </a:solidFill>
+                <a:effectLst/>
+                <a:latin typeface="JetBrains Mono" panose="02000009000000000000" pitchFamily="49" charset="0"/>
+              </a:rPr>
+              <a:t> `ix_auth_username` (`username`,`role`),</a:t>
+            </a:r>
+          </a:p>
+          <a:p>
+            <a:pPr marL="0" marR="0">
+              <a:spcBef>
+                <a:spcPts val="0"/>
+              </a:spcBef>
+              <a:spcAft>
+                <a:spcPts val="0"/>
+              </a:spcAft>
+            </a:pPr>
+            <a:r>
+              <a:rPr lang="en-US" sz="1200">
+                <a:solidFill>
+                  <a:srgbClr val="000080"/>
+                </a:solidFill>
+                <a:effectLst/>
+                <a:latin typeface="JetBrains Mono" panose="02000009000000000000" pitchFamily="49" charset="0"/>
+              </a:rPr>
+              <a:t>CONSTRAINT</a:t>
+            </a:r>
+            <a:r>
+              <a:rPr lang="en-US" sz="1200">
+                <a:solidFill>
+                  <a:srgbClr val="000000"/>
+                </a:solidFill>
+                <a:effectLst/>
+                <a:latin typeface="JetBrains Mono" panose="02000009000000000000" pitchFamily="49" charset="0"/>
+              </a:rPr>
+              <a:t> `fk_roles_members` </a:t>
+            </a:r>
+            <a:r>
+              <a:rPr lang="en-US" sz="1200">
+                <a:solidFill>
+                  <a:srgbClr val="000080"/>
+                </a:solidFill>
+                <a:effectLst/>
+                <a:latin typeface="JetBrains Mono" panose="02000009000000000000" pitchFamily="49" charset="0"/>
+              </a:rPr>
+              <a:t>FOREIGN</a:t>
+            </a:r>
+            <a:r>
+              <a:rPr lang="en-US" sz="1200">
+                <a:solidFill>
+                  <a:srgbClr val="000000"/>
+                </a:solidFill>
+                <a:effectLst/>
+                <a:latin typeface="JetBrains Mono" panose="02000009000000000000" pitchFamily="49" charset="0"/>
+              </a:rPr>
+              <a:t> </a:t>
+            </a:r>
+            <a:r>
+              <a:rPr lang="en-US" sz="1200">
+                <a:solidFill>
+                  <a:srgbClr val="000080"/>
+                </a:solidFill>
+                <a:effectLst/>
+                <a:latin typeface="JetBrains Mono" panose="02000009000000000000" pitchFamily="49" charset="0"/>
+              </a:rPr>
+              <a:t>KEY</a:t>
+            </a:r>
+            <a:r>
+              <a:rPr lang="en-US" sz="1200">
+                <a:solidFill>
+                  <a:srgbClr val="000000"/>
+                </a:solidFill>
+                <a:effectLst/>
+                <a:latin typeface="JetBrains Mono" panose="02000009000000000000" pitchFamily="49" charset="0"/>
+              </a:rPr>
+              <a:t> (`username`) </a:t>
+            </a:r>
+            <a:r>
+              <a:rPr lang="en-US" sz="1200">
+                <a:solidFill>
+                  <a:srgbClr val="000080"/>
+                </a:solidFill>
+                <a:effectLst/>
+                <a:latin typeface="JetBrains Mono" panose="02000009000000000000" pitchFamily="49" charset="0"/>
+              </a:rPr>
+              <a:t>REFERENCES</a:t>
+            </a:r>
+            <a:r>
+              <a:rPr lang="en-US" sz="1200">
+                <a:solidFill>
+                  <a:srgbClr val="000000"/>
+                </a:solidFill>
+                <a:effectLst/>
+                <a:latin typeface="JetBrains Mono" panose="02000009000000000000" pitchFamily="49" charset="0"/>
+              </a:rPr>
+              <a:t> `members` (`username`)</a:t>
+            </a:r>
+          </a:p>
+          <a:p>
+            <a:pPr marL="0" marR="0">
+              <a:spcBef>
+                <a:spcPts val="0"/>
+              </a:spcBef>
+              <a:spcAft>
+                <a:spcPts val="0"/>
+              </a:spcAft>
+            </a:pPr>
+            <a:r>
+              <a:rPr lang="en-US" sz="1200">
+                <a:solidFill>
+                  <a:srgbClr val="000000"/>
+                </a:solidFill>
+                <a:effectLst/>
+                <a:latin typeface="JetBrains Mono" panose="02000009000000000000" pitchFamily="49" charset="0"/>
+              </a:rPr>
+              <a:t>) ENGINE=InnoDB </a:t>
+            </a:r>
+            <a:r>
+              <a:rPr lang="en-US" sz="1200">
+                <a:solidFill>
+                  <a:srgbClr val="000080"/>
+                </a:solidFill>
+                <a:effectLst/>
+                <a:latin typeface="JetBrains Mono" panose="02000009000000000000" pitchFamily="49" charset="0"/>
+              </a:rPr>
+              <a:t>DEFAULT</a:t>
+            </a:r>
+            <a:r>
+              <a:rPr lang="en-US" sz="1200">
+                <a:solidFill>
+                  <a:srgbClr val="000000"/>
+                </a:solidFill>
+                <a:effectLst/>
+                <a:latin typeface="JetBrains Mono" panose="02000009000000000000" pitchFamily="49" charset="0"/>
+              </a:rPr>
+              <a:t> CHARSET=utf8mb3;</a:t>
+            </a:r>
+          </a:p>
+        </p:txBody>
+      </p:sp>
+    </p:spTree>
+    <p:extLst>
+      <p:ext uri="{BB962C8B-B14F-4D97-AF65-F5344CB8AC3E}">
+        <p14:creationId xmlns:p14="http://schemas.microsoft.com/office/powerpoint/2010/main" val="3941517706"/>
       </p:ext>
     </p:extLst>
   </p:cSld>
